--- a/Server_Architecture PPT.pptx
+++ b/Server_Architecture PPT.pptx
@@ -4,6 +4,9 @@
   <p:sldMasterIdLst>
     <p:sldMasterId id="2147483917" r:id="rId1"/>
   </p:sldMasterIdLst>
+  <p:notesMasterIdLst>
+    <p:notesMasterId r:id="rId12"/>
+  </p:notesMasterIdLst>
   <p:sldIdLst>
     <p:sldId id="256" r:id="rId2"/>
     <p:sldId id="265" r:id="rId3"/>
@@ -114,6 +117,440 @@
     </a:lvl9pPr>
   </p:defaultTextStyle>
 </p:presentation>
+</file>
+
+<file path=ppt/notesMasters/notesMaster1.xml><?xml version="1.0" encoding="utf-8"?>
+<p:notesMaster xmlns:a="http://schemas.openxmlformats.org/drawingml/2006/main" xmlns:r="http://schemas.openxmlformats.org/officeDocument/2006/relationships" xmlns:p="http://schemas.openxmlformats.org/presentationml/2006/main">
+  <p:cSld>
+    <p:bg>
+      <p:bgRef idx="1001">
+        <a:schemeClr val="bg1"/>
+      </p:bgRef>
+    </p:bg>
+    <p:spTree>
+      <p:nvGrpSpPr>
+        <p:cNvPr id="1" name=""/>
+        <p:cNvGrpSpPr/>
+        <p:nvPr/>
+      </p:nvGrpSpPr>
+      <p:grpSpPr>
+        <a:xfrm>
+          <a:off x="0" y="0"/>
+          <a:ext cx="0" cy="0"/>
+          <a:chOff x="0" y="0"/>
+          <a:chExt cx="0" cy="0"/>
+        </a:xfrm>
+      </p:grpSpPr>
+      <p:sp>
+        <p:nvSpPr>
+          <p:cNvPr id="2" name="Header Placeholder 1"/>
+          <p:cNvSpPr>
+            <a:spLocks noGrp="1"/>
+          </p:cNvSpPr>
+          <p:nvPr>
+            <p:ph type="hdr" sz="quarter"/>
+          </p:nvPr>
+        </p:nvSpPr>
+        <p:spPr>
+          <a:xfrm>
+            <a:off x="0" y="0"/>
+            <a:ext cx="2971800" cy="457200"/>
+          </a:xfrm>
+          <a:prstGeom prst="rect">
+            <a:avLst/>
+          </a:prstGeom>
+        </p:spPr>
+        <p:txBody>
+          <a:bodyPr vert="horz" lIns="91440" tIns="45720" rIns="91440" bIns="45720" rtlCol="0"/>
+          <a:lstStyle>
+            <a:lvl1pPr algn="l">
+              <a:defRPr sz="1200"/>
+            </a:lvl1pPr>
+          </a:lstStyle>
+          <a:p>
+            <a:endParaRPr lang="en-IN"/>
+          </a:p>
+        </p:txBody>
+      </p:sp>
+      <p:sp>
+        <p:nvSpPr>
+          <p:cNvPr id="3" name="Date Placeholder 2"/>
+          <p:cNvSpPr>
+            <a:spLocks noGrp="1"/>
+          </p:cNvSpPr>
+          <p:nvPr>
+            <p:ph type="dt" idx="1"/>
+          </p:nvPr>
+        </p:nvSpPr>
+        <p:spPr>
+          <a:xfrm>
+            <a:off x="3884613" y="0"/>
+            <a:ext cx="2971800" cy="457200"/>
+          </a:xfrm>
+          <a:prstGeom prst="rect">
+            <a:avLst/>
+          </a:prstGeom>
+        </p:spPr>
+        <p:txBody>
+          <a:bodyPr vert="horz" lIns="91440" tIns="45720" rIns="91440" bIns="45720" rtlCol="0"/>
+          <a:lstStyle>
+            <a:lvl1pPr algn="r">
+              <a:defRPr sz="1200"/>
+            </a:lvl1pPr>
+          </a:lstStyle>
+          <a:p>
+            <a:fld id="{956C5DC4-749D-4A67-868B-AA5BD811843D}" type="datetimeFigureOut">
+              <a:rPr lang="en-IN" smtClean="0"/>
+              <a:t>29-08-2019</a:t>
+            </a:fld>
+            <a:endParaRPr lang="en-IN"/>
+          </a:p>
+        </p:txBody>
+      </p:sp>
+      <p:sp>
+        <p:nvSpPr>
+          <p:cNvPr id="4" name="Slide Image Placeholder 3"/>
+          <p:cNvSpPr>
+            <a:spLocks noGrp="1" noRot="1" noChangeAspect="1"/>
+          </p:cNvSpPr>
+          <p:nvPr>
+            <p:ph type="sldImg" idx="2"/>
+          </p:nvPr>
+        </p:nvSpPr>
+        <p:spPr>
+          <a:xfrm>
+            <a:off x="381000" y="685800"/>
+            <a:ext cx="6096000" cy="3429000"/>
+          </a:xfrm>
+          <a:prstGeom prst="rect">
+            <a:avLst/>
+          </a:prstGeom>
+          <a:noFill/>
+          <a:ln w="12700">
+            <a:solidFill>
+              <a:prstClr val="black"/>
+            </a:solidFill>
+          </a:ln>
+        </p:spPr>
+        <p:txBody>
+          <a:bodyPr vert="horz" lIns="91440" tIns="45720" rIns="91440" bIns="45720" rtlCol="0" anchor="ctr"/>
+          <a:lstStyle/>
+          <a:p>
+            <a:endParaRPr lang="en-IN"/>
+          </a:p>
+        </p:txBody>
+      </p:sp>
+      <p:sp>
+        <p:nvSpPr>
+          <p:cNvPr id="5" name="Notes Placeholder 4"/>
+          <p:cNvSpPr>
+            <a:spLocks noGrp="1"/>
+          </p:cNvSpPr>
+          <p:nvPr>
+            <p:ph type="body" sz="quarter" idx="3"/>
+          </p:nvPr>
+        </p:nvSpPr>
+        <p:spPr>
+          <a:xfrm>
+            <a:off x="685800" y="4343400"/>
+            <a:ext cx="5486400" cy="4114800"/>
+          </a:xfrm>
+          <a:prstGeom prst="rect">
+            <a:avLst/>
+          </a:prstGeom>
+        </p:spPr>
+        <p:txBody>
+          <a:bodyPr vert="horz" lIns="91440" tIns="45720" rIns="91440" bIns="45720" rtlCol="0"/>
+          <a:lstStyle/>
+          <a:p>
+            <a:pPr lvl="0"/>
+            <a:r>
+              <a:rPr lang="en-US" smtClean="0"/>
+              <a:t>Click to edit Master text styles</a:t>
+            </a:r>
+          </a:p>
+          <a:p>
+            <a:pPr lvl="1"/>
+            <a:r>
+              <a:rPr lang="en-US" smtClean="0"/>
+              <a:t>Second level</a:t>
+            </a:r>
+          </a:p>
+          <a:p>
+            <a:pPr lvl="2"/>
+            <a:r>
+              <a:rPr lang="en-US" smtClean="0"/>
+              <a:t>Third level</a:t>
+            </a:r>
+          </a:p>
+          <a:p>
+            <a:pPr lvl="3"/>
+            <a:r>
+              <a:rPr lang="en-US" smtClean="0"/>
+              <a:t>Fourth level</a:t>
+            </a:r>
+          </a:p>
+          <a:p>
+            <a:pPr lvl="4"/>
+            <a:r>
+              <a:rPr lang="en-US" smtClean="0"/>
+              <a:t>Fifth level</a:t>
+            </a:r>
+            <a:endParaRPr lang="en-IN"/>
+          </a:p>
+        </p:txBody>
+      </p:sp>
+      <p:sp>
+        <p:nvSpPr>
+          <p:cNvPr id="6" name="Footer Placeholder 5"/>
+          <p:cNvSpPr>
+            <a:spLocks noGrp="1"/>
+          </p:cNvSpPr>
+          <p:nvPr>
+            <p:ph type="ftr" sz="quarter" idx="4"/>
+          </p:nvPr>
+        </p:nvSpPr>
+        <p:spPr>
+          <a:xfrm>
+            <a:off x="0" y="8685213"/>
+            <a:ext cx="2971800" cy="457200"/>
+          </a:xfrm>
+          <a:prstGeom prst="rect">
+            <a:avLst/>
+          </a:prstGeom>
+        </p:spPr>
+        <p:txBody>
+          <a:bodyPr vert="horz" lIns="91440" tIns="45720" rIns="91440" bIns="45720" rtlCol="0" anchor="b"/>
+          <a:lstStyle>
+            <a:lvl1pPr algn="l">
+              <a:defRPr sz="1200"/>
+            </a:lvl1pPr>
+          </a:lstStyle>
+          <a:p>
+            <a:endParaRPr lang="en-IN"/>
+          </a:p>
+        </p:txBody>
+      </p:sp>
+      <p:sp>
+        <p:nvSpPr>
+          <p:cNvPr id="7" name="Slide Number Placeholder 6"/>
+          <p:cNvSpPr>
+            <a:spLocks noGrp="1"/>
+          </p:cNvSpPr>
+          <p:nvPr>
+            <p:ph type="sldNum" sz="quarter" idx="5"/>
+          </p:nvPr>
+        </p:nvSpPr>
+        <p:spPr>
+          <a:xfrm>
+            <a:off x="3884613" y="8685213"/>
+            <a:ext cx="2971800" cy="457200"/>
+          </a:xfrm>
+          <a:prstGeom prst="rect">
+            <a:avLst/>
+          </a:prstGeom>
+        </p:spPr>
+        <p:txBody>
+          <a:bodyPr vert="horz" lIns="91440" tIns="45720" rIns="91440" bIns="45720" rtlCol="0" anchor="b"/>
+          <a:lstStyle>
+            <a:lvl1pPr algn="r">
+              <a:defRPr sz="1200"/>
+            </a:lvl1pPr>
+          </a:lstStyle>
+          <a:p>
+            <a:fld id="{B5640893-F135-4B51-94B1-27DABB6F06E8}" type="slidenum">
+              <a:rPr lang="en-IN" smtClean="0"/>
+              <a:t>‹#›</a:t>
+            </a:fld>
+            <a:endParaRPr lang="en-IN"/>
+          </a:p>
+        </p:txBody>
+      </p:sp>
+    </p:spTree>
+    <p:extLst>
+      <p:ext uri="{BB962C8B-B14F-4D97-AF65-F5344CB8AC3E}">
+        <p14:creationId xmlns:p14="http://schemas.microsoft.com/office/powerpoint/2010/main" val="1662535297"/>
+      </p:ext>
+    </p:extLst>
+  </p:cSld>
+  <p:clrMap bg1="lt1" tx1="dk1" bg2="lt2" tx2="dk2" accent1="accent1" accent2="accent2" accent3="accent3" accent4="accent4" accent5="accent5" accent6="accent6" hlink="hlink" folHlink="folHlink"/>
+  <p:notesStyle>
+    <a:lvl1pPr marL="0" algn="l" defTabSz="914400" rtl="0" eaLnBrk="1" latinLnBrk="0" hangingPunct="1">
+      <a:defRPr sz="1200" kern="1200">
+        <a:solidFill>
+          <a:schemeClr val="tx1"/>
+        </a:solidFill>
+        <a:latin typeface="+mn-lt"/>
+        <a:ea typeface="+mn-ea"/>
+        <a:cs typeface="+mn-cs"/>
+      </a:defRPr>
+    </a:lvl1pPr>
+    <a:lvl2pPr marL="457200" algn="l" defTabSz="914400" rtl="0" eaLnBrk="1" latinLnBrk="0" hangingPunct="1">
+      <a:defRPr sz="1200" kern="1200">
+        <a:solidFill>
+          <a:schemeClr val="tx1"/>
+        </a:solidFill>
+        <a:latin typeface="+mn-lt"/>
+        <a:ea typeface="+mn-ea"/>
+        <a:cs typeface="+mn-cs"/>
+      </a:defRPr>
+    </a:lvl2pPr>
+    <a:lvl3pPr marL="914400" algn="l" defTabSz="914400" rtl="0" eaLnBrk="1" latinLnBrk="0" hangingPunct="1">
+      <a:defRPr sz="1200" kern="1200">
+        <a:solidFill>
+          <a:schemeClr val="tx1"/>
+        </a:solidFill>
+        <a:latin typeface="+mn-lt"/>
+        <a:ea typeface="+mn-ea"/>
+        <a:cs typeface="+mn-cs"/>
+      </a:defRPr>
+    </a:lvl3pPr>
+    <a:lvl4pPr marL="1371600" algn="l" defTabSz="914400" rtl="0" eaLnBrk="1" latinLnBrk="0" hangingPunct="1">
+      <a:defRPr sz="1200" kern="1200">
+        <a:solidFill>
+          <a:schemeClr val="tx1"/>
+        </a:solidFill>
+        <a:latin typeface="+mn-lt"/>
+        <a:ea typeface="+mn-ea"/>
+        <a:cs typeface="+mn-cs"/>
+      </a:defRPr>
+    </a:lvl4pPr>
+    <a:lvl5pPr marL="1828800" algn="l" defTabSz="914400" rtl="0" eaLnBrk="1" latinLnBrk="0" hangingPunct="1">
+      <a:defRPr sz="1200" kern="1200">
+        <a:solidFill>
+          <a:schemeClr val="tx1"/>
+        </a:solidFill>
+        <a:latin typeface="+mn-lt"/>
+        <a:ea typeface="+mn-ea"/>
+        <a:cs typeface="+mn-cs"/>
+      </a:defRPr>
+    </a:lvl5pPr>
+    <a:lvl6pPr marL="2286000" algn="l" defTabSz="914400" rtl="0" eaLnBrk="1" latinLnBrk="0" hangingPunct="1">
+      <a:defRPr sz="1200" kern="1200">
+        <a:solidFill>
+          <a:schemeClr val="tx1"/>
+        </a:solidFill>
+        <a:latin typeface="+mn-lt"/>
+        <a:ea typeface="+mn-ea"/>
+        <a:cs typeface="+mn-cs"/>
+      </a:defRPr>
+    </a:lvl6pPr>
+    <a:lvl7pPr marL="2743200" algn="l" defTabSz="914400" rtl="0" eaLnBrk="1" latinLnBrk="0" hangingPunct="1">
+      <a:defRPr sz="1200" kern="1200">
+        <a:solidFill>
+          <a:schemeClr val="tx1"/>
+        </a:solidFill>
+        <a:latin typeface="+mn-lt"/>
+        <a:ea typeface="+mn-ea"/>
+        <a:cs typeface="+mn-cs"/>
+      </a:defRPr>
+    </a:lvl7pPr>
+    <a:lvl8pPr marL="3200400" algn="l" defTabSz="914400" rtl="0" eaLnBrk="1" latinLnBrk="0" hangingPunct="1">
+      <a:defRPr sz="1200" kern="1200">
+        <a:solidFill>
+          <a:schemeClr val="tx1"/>
+        </a:solidFill>
+        <a:latin typeface="+mn-lt"/>
+        <a:ea typeface="+mn-ea"/>
+        <a:cs typeface="+mn-cs"/>
+      </a:defRPr>
+    </a:lvl8pPr>
+    <a:lvl9pPr marL="3657600" algn="l" defTabSz="914400" rtl="0" eaLnBrk="1" latinLnBrk="0" hangingPunct="1">
+      <a:defRPr sz="1200" kern="1200">
+        <a:solidFill>
+          <a:schemeClr val="tx1"/>
+        </a:solidFill>
+        <a:latin typeface="+mn-lt"/>
+        <a:ea typeface="+mn-ea"/>
+        <a:cs typeface="+mn-cs"/>
+      </a:defRPr>
+    </a:lvl9pPr>
+  </p:notesStyle>
+</p:notesMaster>
+</file>
+
+<file path=ppt/notesSlides/notesSlide1.xml><?xml version="1.0" encoding="utf-8"?>
+<p:notes xmlns:a="http://schemas.openxmlformats.org/drawingml/2006/main" xmlns:r="http://schemas.openxmlformats.org/officeDocument/2006/relationships" xmlns:p="http://schemas.openxmlformats.org/presentationml/2006/main">
+  <p:cSld>
+    <p:spTree>
+      <p:nvGrpSpPr>
+        <p:cNvPr id="1" name=""/>
+        <p:cNvGrpSpPr/>
+        <p:nvPr/>
+      </p:nvGrpSpPr>
+      <p:grpSpPr>
+        <a:xfrm>
+          <a:off x="0" y="0"/>
+          <a:ext cx="0" cy="0"/>
+          <a:chOff x="0" y="0"/>
+          <a:chExt cx="0" cy="0"/>
+        </a:xfrm>
+      </p:grpSpPr>
+      <p:sp>
+        <p:nvSpPr>
+          <p:cNvPr id="2" name="Slide Image Placeholder 1"/>
+          <p:cNvSpPr>
+            <a:spLocks noGrp="1" noRot="1" noChangeAspect="1"/>
+          </p:cNvSpPr>
+          <p:nvPr>
+            <p:ph type="sldImg"/>
+          </p:nvPr>
+        </p:nvSpPr>
+        <p:spPr/>
+      </p:sp>
+      <p:sp>
+        <p:nvSpPr>
+          <p:cNvPr id="3" name="Notes Placeholder 2"/>
+          <p:cNvSpPr>
+            <a:spLocks noGrp="1"/>
+          </p:cNvSpPr>
+          <p:nvPr>
+            <p:ph type="body" idx="1"/>
+          </p:nvPr>
+        </p:nvSpPr>
+        <p:spPr/>
+        <p:txBody>
+          <a:bodyPr/>
+          <a:lstStyle/>
+          <a:p>
+            <a:endParaRPr lang="en-IN" dirty="0"/>
+          </a:p>
+        </p:txBody>
+      </p:sp>
+      <p:sp>
+        <p:nvSpPr>
+          <p:cNvPr id="4" name="Slide Number Placeholder 3"/>
+          <p:cNvSpPr>
+            <a:spLocks noGrp="1"/>
+          </p:cNvSpPr>
+          <p:nvPr>
+            <p:ph type="sldNum" sz="quarter" idx="10"/>
+          </p:nvPr>
+        </p:nvSpPr>
+        <p:spPr/>
+        <p:txBody>
+          <a:bodyPr/>
+          <a:lstStyle/>
+          <a:p>
+            <a:fld id="{B5640893-F135-4B51-94B1-27DABB6F06E8}" type="slidenum">
+              <a:rPr lang="en-IN" smtClean="0"/>
+              <a:t>1</a:t>
+            </a:fld>
+            <a:endParaRPr lang="en-IN"/>
+          </a:p>
+        </p:txBody>
+      </p:sp>
+    </p:spTree>
+    <p:extLst>
+      <p:ext uri="{BB962C8B-B14F-4D97-AF65-F5344CB8AC3E}">
+        <p14:creationId xmlns:p14="http://schemas.microsoft.com/office/powerpoint/2010/main" val="1598412740"/>
+      </p:ext>
+    </p:extLst>
+  </p:cSld>
+  <p:clrMapOvr>
+    <a:masterClrMapping/>
+  </p:clrMapOvr>
+</p:notes>
 </file>
 
 <file path=ppt/slideLayouts/slideLayout1.xml><?xml version="1.0" encoding="utf-8"?>
@@ -3637,7 +4074,7 @@
           <p:cNvPr id="4" name="Rectangle 2">
             <a:extLst>
               <a:ext uri="{FF2B5EF4-FFF2-40B4-BE49-F238E27FC236}">
-                <a16:creationId xmlns:a16="http://schemas.microsoft.com/office/drawing/2014/main" id="{C62C8433-4255-4DF9-A582-EA9B56F9B566}"/>
+                <a16:creationId xmlns:a16="http://schemas.microsoft.com/office/drawing/2014/main" xmlns="" id="{C62C8433-4255-4DF9-A582-EA9B56F9B566}"/>
               </a:ext>
             </a:extLst>
           </p:cNvPr>
@@ -3706,7 +4143,7 @@
           <p:cNvPr id="1025" name="Picture 58">
             <a:extLst>
               <a:ext uri="{FF2B5EF4-FFF2-40B4-BE49-F238E27FC236}">
-                <a16:creationId xmlns:a16="http://schemas.microsoft.com/office/drawing/2014/main" id="{9530527C-3B12-4C8B-9C34-285F01F2874F}"/>
+                <a16:creationId xmlns:a16="http://schemas.microsoft.com/office/drawing/2014/main" xmlns="" id="{9530527C-3B12-4C8B-9C34-285F01F2874F}"/>
               </a:ext>
             </a:extLst>
           </p:cNvPr>
@@ -3716,7 +4153,7 @@
           <p:nvPr/>
         </p:nvPicPr>
         <p:blipFill>
-          <a:blip r:embed="rId2">
+          <a:blip r:embed="rId3" cstate="print">
             <a:extLst>
               <a:ext uri="{28A0092B-C50C-407E-A947-70E740481C1C}">
                 <a14:useLocalDpi xmlns:a14="http://schemas.microsoft.com/office/drawing/2010/main" val="0"/>
@@ -3753,7 +4190,7 @@
           <p:cNvPr id="5" name="Rectangle 3">
             <a:extLst>
               <a:ext uri="{FF2B5EF4-FFF2-40B4-BE49-F238E27FC236}">
-                <a16:creationId xmlns:a16="http://schemas.microsoft.com/office/drawing/2014/main" id="{7112B42E-84F6-45EB-96CA-460A1791B68F}"/>
+                <a16:creationId xmlns:a16="http://schemas.microsoft.com/office/drawing/2014/main" xmlns="" id="{7112B42E-84F6-45EB-96CA-460A1791B68F}"/>
               </a:ext>
             </a:extLst>
           </p:cNvPr>
@@ -3995,7 +4432,7 @@
           <p:cNvPr id="6" name="TextBox 5">
             <a:extLst>
               <a:ext uri="{FF2B5EF4-FFF2-40B4-BE49-F238E27FC236}">
-                <a16:creationId xmlns:a16="http://schemas.microsoft.com/office/drawing/2014/main" id="{AD270AC7-945F-4F1F-B4FB-29CBEFF4220B}"/>
+                <a16:creationId xmlns:a16="http://schemas.microsoft.com/office/drawing/2014/main" xmlns="" id="{AD270AC7-945F-4F1F-B4FB-29CBEFF4220B}"/>
               </a:ext>
             </a:extLst>
           </p:cNvPr>
@@ -4061,7 +4498,7 @@
           <p:cNvPr id="2" name="Title 1">
             <a:extLst>
               <a:ext uri="{FF2B5EF4-FFF2-40B4-BE49-F238E27FC236}">
-                <a16:creationId xmlns:a16="http://schemas.microsoft.com/office/drawing/2014/main" id="{13AA3579-19D9-4098-9D3D-16FF14F670DA}"/>
+                <a16:creationId xmlns:a16="http://schemas.microsoft.com/office/drawing/2014/main" xmlns="" id="{13AA3579-19D9-4098-9D3D-16FF14F670DA}"/>
               </a:ext>
             </a:extLst>
           </p:cNvPr>
@@ -4092,41 +4529,6 @@
               <a:rPr lang="en-GB" sz="2800" dirty="0"/>
               <a:t>for precious time …</a:t>
             </a:r>
-            <a:endParaRPr lang="en-IN" dirty="0"/>
-          </a:p>
-        </p:txBody>
-      </p:sp>
-      <p:sp>
-        <p:nvSpPr>
-          <p:cNvPr id="3" name="Content Placeholder 2">
-            <a:extLst>
-              <a:ext uri="{FF2B5EF4-FFF2-40B4-BE49-F238E27FC236}">
-                <a16:creationId xmlns:a16="http://schemas.microsoft.com/office/drawing/2014/main" id="{93A53EF8-060A-4F9C-9A9C-C0911D3789E6}"/>
-              </a:ext>
-            </a:extLst>
-          </p:cNvPr>
-          <p:cNvSpPr>
-            <a:spLocks noGrp="1"/>
-          </p:cNvSpPr>
-          <p:nvPr>
-            <p:ph sz="quarter" idx="13"/>
-          </p:nvPr>
-        </p:nvSpPr>
-        <p:spPr>
-          <a:xfrm>
-            <a:off x="-487908" y="4605535"/>
-            <a:ext cx="45719" cy="45719"/>
-          </a:xfrm>
-        </p:spPr>
-        <p:txBody>
-          <a:bodyPr>
-            <a:normAutofit fontScale="25000" lnSpcReduction="20000"/>
-          </a:bodyPr>
-          <a:lstStyle/>
-          <a:p>
-            <a:pPr marL="0" indent="0">
-              <a:buNone/>
-            </a:pPr>
             <a:endParaRPr lang="en-IN" dirty="0"/>
           </a:p>
         </p:txBody>
@@ -4166,7 +4568,7 @@
           <p:cNvPr id="2" name="Title 1">
             <a:extLst>
               <a:ext uri="{FF2B5EF4-FFF2-40B4-BE49-F238E27FC236}">
-                <a16:creationId xmlns:a16="http://schemas.microsoft.com/office/drawing/2014/main" id="{22385106-EB39-4760-A78E-9B2C2D0BDB15}"/>
+                <a16:creationId xmlns:a16="http://schemas.microsoft.com/office/drawing/2014/main" xmlns="" id="{22385106-EB39-4760-A78E-9B2C2D0BDB15}"/>
               </a:ext>
             </a:extLst>
           </p:cNvPr>
@@ -4202,7 +4604,7 @@
           <p:cNvPr id="4" name="TextBox 3">
             <a:extLst>
               <a:ext uri="{FF2B5EF4-FFF2-40B4-BE49-F238E27FC236}">
-                <a16:creationId xmlns:a16="http://schemas.microsoft.com/office/drawing/2014/main" id="{259C0A27-4D15-4D14-9A51-EA266A5EF74A}"/>
+                <a16:creationId xmlns:a16="http://schemas.microsoft.com/office/drawing/2014/main" xmlns="" id="{259C0A27-4D15-4D14-9A51-EA266A5EF74A}"/>
               </a:ext>
             </a:extLst>
           </p:cNvPr>
@@ -4288,7 +4690,7 @@
           <p:cNvPr id="2" name="Title 1">
             <a:extLst>
               <a:ext uri="{FF2B5EF4-FFF2-40B4-BE49-F238E27FC236}">
-                <a16:creationId xmlns:a16="http://schemas.microsoft.com/office/drawing/2014/main" id="{ACB9C629-D534-4E0B-9E49-E69AD0A8AAE2}"/>
+                <a16:creationId xmlns:a16="http://schemas.microsoft.com/office/drawing/2014/main" xmlns="" id="{ACB9C629-D534-4E0B-9E49-E69AD0A8AAE2}"/>
               </a:ext>
             </a:extLst>
           </p:cNvPr>
@@ -4324,7 +4726,7 @@
           <p:cNvPr id="3" name="Content Placeholder 2">
             <a:extLst>
               <a:ext uri="{FF2B5EF4-FFF2-40B4-BE49-F238E27FC236}">
-                <a16:creationId xmlns:a16="http://schemas.microsoft.com/office/drawing/2014/main" id="{E0719E46-645D-4D68-8C2F-C49F6782B359}"/>
+                <a16:creationId xmlns:a16="http://schemas.microsoft.com/office/drawing/2014/main" xmlns="" id="{E0719E46-645D-4D68-8C2F-C49F6782B359}"/>
               </a:ext>
             </a:extLst>
           </p:cNvPr>
@@ -4496,7 +4898,7 @@
           <p:cNvPr id="2" name="Title 1">
             <a:extLst>
               <a:ext uri="{FF2B5EF4-FFF2-40B4-BE49-F238E27FC236}">
-                <a16:creationId xmlns:a16="http://schemas.microsoft.com/office/drawing/2014/main" id="{1D0EFF4E-36D7-40FC-9FE4-E55EE42C8EE4}"/>
+                <a16:creationId xmlns:a16="http://schemas.microsoft.com/office/drawing/2014/main" xmlns="" id="{1D0EFF4E-36D7-40FC-9FE4-E55EE42C8EE4}"/>
               </a:ext>
             </a:extLst>
           </p:cNvPr>
@@ -4525,7 +4927,7 @@
           <p:cNvPr id="3" name="Content Placeholder 2">
             <a:extLst>
               <a:ext uri="{FF2B5EF4-FFF2-40B4-BE49-F238E27FC236}">
-                <a16:creationId xmlns:a16="http://schemas.microsoft.com/office/drawing/2014/main" id="{8D89595D-010C-4FF6-8D32-42DB9E5C6444}"/>
+                <a16:creationId xmlns:a16="http://schemas.microsoft.com/office/drawing/2014/main" xmlns="" id="{8D89595D-010C-4FF6-8D32-42DB9E5C6444}"/>
               </a:ext>
             </a:extLst>
           </p:cNvPr>
@@ -4657,7 +5059,7 @@
           <p:cNvPr id="2" name="Title 1">
             <a:extLst>
               <a:ext uri="{FF2B5EF4-FFF2-40B4-BE49-F238E27FC236}">
-                <a16:creationId xmlns:a16="http://schemas.microsoft.com/office/drawing/2014/main" id="{FD264866-3278-47CD-91FE-D942D8FD57FA}"/>
+                <a16:creationId xmlns:a16="http://schemas.microsoft.com/office/drawing/2014/main" xmlns="" id="{FD264866-3278-47CD-91FE-D942D8FD57FA}"/>
               </a:ext>
             </a:extLst>
           </p:cNvPr>
@@ -4691,7 +5093,7 @@
           <p:cNvPr id="3" name="Content Placeholder 2">
             <a:extLst>
               <a:ext uri="{FF2B5EF4-FFF2-40B4-BE49-F238E27FC236}">
-                <a16:creationId xmlns:a16="http://schemas.microsoft.com/office/drawing/2014/main" id="{F240150C-30A2-4493-AD54-B9A7F111862B}"/>
+                <a16:creationId xmlns:a16="http://schemas.microsoft.com/office/drawing/2014/main" xmlns="" id="{F240150C-30A2-4493-AD54-B9A7F111862B}"/>
               </a:ext>
             </a:extLst>
           </p:cNvPr>
@@ -4728,7 +5130,7 @@
           <p:cNvPr id="5" name="Picture 4">
             <a:extLst>
               <a:ext uri="{FF2B5EF4-FFF2-40B4-BE49-F238E27FC236}">
-                <a16:creationId xmlns:a16="http://schemas.microsoft.com/office/drawing/2014/main" id="{BEF8D6EC-3A57-481F-A825-CD10FD8836E4}"/>
+                <a16:creationId xmlns:a16="http://schemas.microsoft.com/office/drawing/2014/main" xmlns="" id="{BEF8D6EC-3A57-481F-A825-CD10FD8836E4}"/>
               </a:ext>
             </a:extLst>
           </p:cNvPr>
@@ -4794,7 +5196,7 @@
           <p:cNvPr id="2" name="Title 1">
             <a:extLst>
               <a:ext uri="{FF2B5EF4-FFF2-40B4-BE49-F238E27FC236}">
-                <a16:creationId xmlns:a16="http://schemas.microsoft.com/office/drawing/2014/main" id="{7E1D035E-4032-423C-9596-F701E2AAF94A}"/>
+                <a16:creationId xmlns:a16="http://schemas.microsoft.com/office/drawing/2014/main" xmlns="" id="{7E1D035E-4032-423C-9596-F701E2AAF94A}"/>
               </a:ext>
             </a:extLst>
           </p:cNvPr>
@@ -4826,7 +5228,7 @@
           <p:cNvPr id="3" name="Content Placeholder 2">
             <a:extLst>
               <a:ext uri="{FF2B5EF4-FFF2-40B4-BE49-F238E27FC236}">
-                <a16:creationId xmlns:a16="http://schemas.microsoft.com/office/drawing/2014/main" id="{C011688A-F81E-42BE-9F17-C1FBF803FF5F}"/>
+                <a16:creationId xmlns:a16="http://schemas.microsoft.com/office/drawing/2014/main" xmlns="" id="{C011688A-F81E-42BE-9F17-C1FBF803FF5F}"/>
               </a:ext>
             </a:extLst>
           </p:cNvPr>
@@ -4937,7 +5339,7 @@
           <p:cNvPr id="2" name="Title 1">
             <a:extLst>
               <a:ext uri="{FF2B5EF4-FFF2-40B4-BE49-F238E27FC236}">
-                <a16:creationId xmlns:a16="http://schemas.microsoft.com/office/drawing/2014/main" id="{4E4FC654-84A9-4FFA-BF47-339376D1DA49}"/>
+                <a16:creationId xmlns:a16="http://schemas.microsoft.com/office/drawing/2014/main" xmlns="" id="{4E4FC654-84A9-4FFA-BF47-339376D1DA49}"/>
               </a:ext>
             </a:extLst>
           </p:cNvPr>
@@ -4973,7 +5375,7 @@
           <p:cNvPr id="3" name="Content Placeholder 2">
             <a:extLst>
               <a:ext uri="{FF2B5EF4-FFF2-40B4-BE49-F238E27FC236}">
-                <a16:creationId xmlns:a16="http://schemas.microsoft.com/office/drawing/2014/main" id="{8CE72870-D5A1-4F1E-A5EB-65CC8BF3493B}"/>
+                <a16:creationId xmlns:a16="http://schemas.microsoft.com/office/drawing/2014/main" xmlns="" id="{8CE72870-D5A1-4F1E-A5EB-65CC8BF3493B}"/>
               </a:ext>
             </a:extLst>
           </p:cNvPr>
@@ -5093,7 +5495,7 @@
           <p:cNvPr id="2" name="Title 1">
             <a:extLst>
               <a:ext uri="{FF2B5EF4-FFF2-40B4-BE49-F238E27FC236}">
-                <a16:creationId xmlns:a16="http://schemas.microsoft.com/office/drawing/2014/main" id="{5FAC82F6-A9AA-402D-8CD3-8B951453B760}"/>
+                <a16:creationId xmlns:a16="http://schemas.microsoft.com/office/drawing/2014/main" xmlns="" id="{5FAC82F6-A9AA-402D-8CD3-8B951453B760}"/>
               </a:ext>
             </a:extLst>
           </p:cNvPr>
@@ -5122,7 +5524,7 @@
           <p:cNvPr id="3" name="Content Placeholder 2">
             <a:extLst>
               <a:ext uri="{FF2B5EF4-FFF2-40B4-BE49-F238E27FC236}">
-                <a16:creationId xmlns:a16="http://schemas.microsoft.com/office/drawing/2014/main" id="{33B55CFC-2DDD-4E4B-8386-B7346E57A5F1}"/>
+                <a16:creationId xmlns:a16="http://schemas.microsoft.com/office/drawing/2014/main" xmlns="" id="{33B55CFC-2DDD-4E4B-8386-B7346E57A5F1}"/>
               </a:ext>
             </a:extLst>
           </p:cNvPr>
@@ -5256,7 +5658,7 @@
           <p:cNvPr id="2" name="Title 1">
             <a:extLst>
               <a:ext uri="{FF2B5EF4-FFF2-40B4-BE49-F238E27FC236}">
-                <a16:creationId xmlns:a16="http://schemas.microsoft.com/office/drawing/2014/main" id="{02357D58-AA01-447F-BAAB-E77B821A9C94}"/>
+                <a16:creationId xmlns:a16="http://schemas.microsoft.com/office/drawing/2014/main" xmlns="" id="{02357D58-AA01-447F-BAAB-E77B821A9C94}"/>
               </a:ext>
             </a:extLst>
           </p:cNvPr>
@@ -5296,7 +5698,7 @@
           <p:cNvPr id="4" name="Content Placeholder 3">
             <a:extLst>
               <a:ext uri="{FF2B5EF4-FFF2-40B4-BE49-F238E27FC236}">
-                <a16:creationId xmlns:a16="http://schemas.microsoft.com/office/drawing/2014/main" id="{C87DD56F-A8E8-42D0-A791-C6D227D174CE}"/>
+                <a16:creationId xmlns:a16="http://schemas.microsoft.com/office/drawing/2014/main" xmlns="" id="{C87DD56F-A8E8-42D0-A791-C6D227D174CE}"/>
               </a:ext>
             </a:extLst>
           </p:cNvPr>
@@ -5388,7 +5790,7 @@
     </a:clrScheme>
     <a:fontScheme name="View">
       <a:majorFont>
-        <a:latin typeface="Century Schoolbook" panose="02040604050505020304"/>
+        <a:latin typeface="Century Schoolbook"/>
         <a:ea typeface=""/>
         <a:cs typeface=""/>
         <a:font script="Jpan" typeface="ＭＳ ゴシック"/>
@@ -5423,7 +5825,7 @@
         <a:font script="Geor" typeface="Sylfaen"/>
       </a:majorFont>
       <a:minorFont>
-        <a:latin typeface="Century Schoolbook" panose="02040604050505020304"/>
+        <a:latin typeface="Century Schoolbook"/>
         <a:ea typeface=""/>
         <a:cs typeface=""/>
         <a:font script="Jpan" typeface="ＭＳ ゴシック"/>
@@ -5592,8 +5994,293 @@
   <a:extraClrSchemeLst/>
   <a:extLst>
     <a:ext uri="{05A4C25C-085E-4340-85A3-A5531E510DB2}">
-      <thm15:themeFamily xmlns:thm15="http://schemas.microsoft.com/office/thememl/2012/main" name="View" id="{BA0EB5A6-F2D4-4F82-977B-64ADEE4A2A69}" vid="{3969A8A2-35DB-4E3B-8885-16FD20568674}"/>
+      <thm15:themeFamily xmlns:thm15="http://schemas.microsoft.com/office/thememl/2012/main" xmlns="" name="View" id="{BA0EB5A6-F2D4-4F82-977B-64ADEE4A2A69}" vid="{3969A8A2-35DB-4E3B-8885-16FD20568674}"/>
     </a:ext>
   </a:extLst>
 </a:theme>
+</file>
+
+<file path=ppt/theme/theme2.xml><?xml version="1.0" encoding="utf-8"?>
+<a:theme xmlns:a="http://schemas.openxmlformats.org/drawingml/2006/main" name="Office Theme">
+  <a:themeElements>
+    <a:clrScheme name="Office">
+      <a:dk1>
+        <a:sysClr val="windowText" lastClr="000000"/>
+      </a:dk1>
+      <a:lt1>
+        <a:sysClr val="window" lastClr="FFFFFF"/>
+      </a:lt1>
+      <a:dk2>
+        <a:srgbClr val="1F497D"/>
+      </a:dk2>
+      <a:lt2>
+        <a:srgbClr val="EEECE1"/>
+      </a:lt2>
+      <a:accent1>
+        <a:srgbClr val="4F81BD"/>
+      </a:accent1>
+      <a:accent2>
+        <a:srgbClr val="C0504D"/>
+      </a:accent2>
+      <a:accent3>
+        <a:srgbClr val="9BBB59"/>
+      </a:accent3>
+      <a:accent4>
+        <a:srgbClr val="8064A2"/>
+      </a:accent4>
+      <a:accent5>
+        <a:srgbClr val="4BACC6"/>
+      </a:accent5>
+      <a:accent6>
+        <a:srgbClr val="F79646"/>
+      </a:accent6>
+      <a:hlink>
+        <a:srgbClr val="0000FF"/>
+      </a:hlink>
+      <a:folHlink>
+        <a:srgbClr val="800080"/>
+      </a:folHlink>
+    </a:clrScheme>
+    <a:fontScheme name="Office">
+      <a:majorFont>
+        <a:latin typeface="Calibri"/>
+        <a:ea typeface=""/>
+        <a:cs typeface=""/>
+        <a:font script="Jpan" typeface="ＭＳ Ｐゴシック"/>
+        <a:font script="Hang" typeface="맑은 고딕"/>
+        <a:font script="Hans" typeface="宋体"/>
+        <a:font script="Hant" typeface="新細明體"/>
+        <a:font script="Arab" typeface="Times New Roman"/>
+        <a:font script="Hebr" typeface="Times New Roman"/>
+        <a:font script="Thai" typeface="Angsana New"/>
+        <a:font script="Ethi" typeface="Nyala"/>
+        <a:font script="Beng" typeface="Vrinda"/>
+        <a:font script="Gujr" typeface="Shruti"/>
+        <a:font script="Khmr" typeface="MoolBoran"/>
+        <a:font script="Knda" typeface="Tunga"/>
+        <a:font script="Guru" typeface="Raavi"/>
+        <a:font script="Cans" typeface="Euphemia"/>
+        <a:font script="Cher" typeface="Plantagenet Cherokee"/>
+        <a:font script="Yiii" typeface="Microsoft Yi Baiti"/>
+        <a:font script="Tibt" typeface="Microsoft Himalaya"/>
+        <a:font script="Thaa" typeface="MV Boli"/>
+        <a:font script="Deva" typeface="Mangal"/>
+        <a:font script="Telu" typeface="Gautami"/>
+        <a:font script="Taml" typeface="Latha"/>
+        <a:font script="Syrc" typeface="Estrangelo Edessa"/>
+        <a:font script="Orya" typeface="Kalinga"/>
+        <a:font script="Mlym" typeface="Kartika"/>
+        <a:font script="Laoo" typeface="DokChampa"/>
+        <a:font script="Sinh" typeface="Iskoola Pota"/>
+        <a:font script="Mong" typeface="Mongolian Baiti"/>
+        <a:font script="Viet" typeface="Times New Roman"/>
+        <a:font script="Uigh" typeface="Microsoft Uighur"/>
+        <a:font script="Geor" typeface="Sylfaen"/>
+      </a:majorFont>
+      <a:minorFont>
+        <a:latin typeface="Calibri"/>
+        <a:ea typeface=""/>
+        <a:cs typeface=""/>
+        <a:font script="Jpan" typeface="ＭＳ Ｐゴシック"/>
+        <a:font script="Hang" typeface="맑은 고딕"/>
+        <a:font script="Hans" typeface="宋体"/>
+        <a:font script="Hant" typeface="新細明體"/>
+        <a:font script="Arab" typeface="Arial"/>
+        <a:font script="Hebr" typeface="Arial"/>
+        <a:font script="Thai" typeface="Cordia New"/>
+        <a:font script="Ethi" typeface="Nyala"/>
+        <a:font script="Beng" typeface="Vrinda"/>
+        <a:font script="Gujr" typeface="Shruti"/>
+        <a:font script="Khmr" typeface="DaunPenh"/>
+        <a:font script="Knda" typeface="Tunga"/>
+        <a:font script="Guru" typeface="Raavi"/>
+        <a:font script="Cans" typeface="Euphemia"/>
+        <a:font script="Cher" typeface="Plantagenet Cherokee"/>
+        <a:font script="Yiii" typeface="Microsoft Yi Baiti"/>
+        <a:font script="Tibt" typeface="Microsoft Himalaya"/>
+        <a:font script="Thaa" typeface="MV Boli"/>
+        <a:font script="Deva" typeface="Mangal"/>
+        <a:font script="Telu" typeface="Gautami"/>
+        <a:font script="Taml" typeface="Latha"/>
+        <a:font script="Syrc" typeface="Estrangelo Edessa"/>
+        <a:font script="Orya" typeface="Kalinga"/>
+        <a:font script="Mlym" typeface="Kartika"/>
+        <a:font script="Laoo" typeface="DokChampa"/>
+        <a:font script="Sinh" typeface="Iskoola Pota"/>
+        <a:font script="Mong" typeface="Mongolian Baiti"/>
+        <a:font script="Viet" typeface="Arial"/>
+        <a:font script="Uigh" typeface="Microsoft Uighur"/>
+        <a:font script="Geor" typeface="Sylfaen"/>
+      </a:minorFont>
+    </a:fontScheme>
+    <a:fmtScheme name="Office">
+      <a:fillStyleLst>
+        <a:solidFill>
+          <a:schemeClr val="phClr"/>
+        </a:solidFill>
+        <a:gradFill rotWithShape="1">
+          <a:gsLst>
+            <a:gs pos="0">
+              <a:schemeClr val="phClr">
+                <a:tint val="50000"/>
+                <a:satMod val="300000"/>
+              </a:schemeClr>
+            </a:gs>
+            <a:gs pos="35000">
+              <a:schemeClr val="phClr">
+                <a:tint val="37000"/>
+                <a:satMod val="300000"/>
+              </a:schemeClr>
+            </a:gs>
+            <a:gs pos="100000">
+              <a:schemeClr val="phClr">
+                <a:tint val="15000"/>
+                <a:satMod val="350000"/>
+              </a:schemeClr>
+            </a:gs>
+          </a:gsLst>
+          <a:lin ang="16200000" scaled="1"/>
+        </a:gradFill>
+        <a:gradFill rotWithShape="1">
+          <a:gsLst>
+            <a:gs pos="0">
+              <a:schemeClr val="phClr">
+                <a:shade val="51000"/>
+                <a:satMod val="130000"/>
+              </a:schemeClr>
+            </a:gs>
+            <a:gs pos="80000">
+              <a:schemeClr val="phClr">
+                <a:shade val="93000"/>
+                <a:satMod val="130000"/>
+              </a:schemeClr>
+            </a:gs>
+            <a:gs pos="100000">
+              <a:schemeClr val="phClr">
+                <a:shade val="94000"/>
+                <a:satMod val="135000"/>
+              </a:schemeClr>
+            </a:gs>
+          </a:gsLst>
+          <a:lin ang="16200000" scaled="0"/>
+        </a:gradFill>
+      </a:fillStyleLst>
+      <a:lnStyleLst>
+        <a:ln w="9525" cap="flat" cmpd="sng" algn="ctr">
+          <a:solidFill>
+            <a:schemeClr val="phClr">
+              <a:shade val="95000"/>
+              <a:satMod val="105000"/>
+            </a:schemeClr>
+          </a:solidFill>
+          <a:prstDash val="solid"/>
+        </a:ln>
+        <a:ln w="25400" cap="flat" cmpd="sng" algn="ctr">
+          <a:solidFill>
+            <a:schemeClr val="phClr"/>
+          </a:solidFill>
+          <a:prstDash val="solid"/>
+        </a:ln>
+        <a:ln w="38100" cap="flat" cmpd="sng" algn="ctr">
+          <a:solidFill>
+            <a:schemeClr val="phClr"/>
+          </a:solidFill>
+          <a:prstDash val="solid"/>
+        </a:ln>
+      </a:lnStyleLst>
+      <a:effectStyleLst>
+        <a:effectStyle>
+          <a:effectLst>
+            <a:outerShdw blurRad="40000" dist="20000" dir="5400000" rotWithShape="0">
+              <a:srgbClr val="000000">
+                <a:alpha val="38000"/>
+              </a:srgbClr>
+            </a:outerShdw>
+          </a:effectLst>
+        </a:effectStyle>
+        <a:effectStyle>
+          <a:effectLst>
+            <a:outerShdw blurRad="40000" dist="23000" dir="5400000" rotWithShape="0">
+              <a:srgbClr val="000000">
+                <a:alpha val="35000"/>
+              </a:srgbClr>
+            </a:outerShdw>
+          </a:effectLst>
+        </a:effectStyle>
+        <a:effectStyle>
+          <a:effectLst>
+            <a:outerShdw blurRad="40000" dist="23000" dir="5400000" rotWithShape="0">
+              <a:srgbClr val="000000">
+                <a:alpha val="35000"/>
+              </a:srgbClr>
+            </a:outerShdw>
+          </a:effectLst>
+          <a:scene3d>
+            <a:camera prst="orthographicFront">
+              <a:rot lat="0" lon="0" rev="0"/>
+            </a:camera>
+            <a:lightRig rig="threePt" dir="t">
+              <a:rot lat="0" lon="0" rev="1200000"/>
+            </a:lightRig>
+          </a:scene3d>
+          <a:sp3d>
+            <a:bevelT w="63500" h="25400"/>
+          </a:sp3d>
+        </a:effectStyle>
+      </a:effectStyleLst>
+      <a:bgFillStyleLst>
+        <a:solidFill>
+          <a:schemeClr val="phClr"/>
+        </a:solidFill>
+        <a:gradFill rotWithShape="1">
+          <a:gsLst>
+            <a:gs pos="0">
+              <a:schemeClr val="phClr">
+                <a:tint val="40000"/>
+                <a:satMod val="350000"/>
+              </a:schemeClr>
+            </a:gs>
+            <a:gs pos="40000">
+              <a:schemeClr val="phClr">
+                <a:tint val="45000"/>
+                <a:shade val="99000"/>
+                <a:satMod val="350000"/>
+              </a:schemeClr>
+            </a:gs>
+            <a:gs pos="100000">
+              <a:schemeClr val="phClr">
+                <a:shade val="20000"/>
+                <a:satMod val="255000"/>
+              </a:schemeClr>
+            </a:gs>
+          </a:gsLst>
+          <a:path path="circle">
+            <a:fillToRect l="50000" t="-80000" r="50000" b="180000"/>
+          </a:path>
+        </a:gradFill>
+        <a:gradFill rotWithShape="1">
+          <a:gsLst>
+            <a:gs pos="0">
+              <a:schemeClr val="phClr">
+                <a:tint val="80000"/>
+                <a:satMod val="300000"/>
+              </a:schemeClr>
+            </a:gs>
+            <a:gs pos="100000">
+              <a:schemeClr val="phClr">
+                <a:shade val="30000"/>
+                <a:satMod val="200000"/>
+              </a:schemeClr>
+            </a:gs>
+          </a:gsLst>
+          <a:path path="circle">
+            <a:fillToRect l="50000" t="50000" r="50000" b="50000"/>
+          </a:path>
+        </a:gradFill>
+      </a:bgFillStyleLst>
+    </a:fmtScheme>
+  </a:themeElements>
+  <a:objectDefaults/>
+  <a:extraClrSchemeLst/>
+</a:theme>
 </file>
--- a/Server_Architecture PPT.pptx
+++ b/Server_Architecture PPT.pptx
@@ -5,19 +5,20 @@
     <p:sldMasterId id="2147483917" r:id="rId1"/>
   </p:sldMasterIdLst>
   <p:notesMasterIdLst>
-    <p:notesMasterId r:id="rId12"/>
+    <p:notesMasterId r:id="rId13"/>
   </p:notesMasterIdLst>
   <p:sldIdLst>
     <p:sldId id="256" r:id="rId2"/>
     <p:sldId id="265" r:id="rId3"/>
     <p:sldId id="257" r:id="rId4"/>
-    <p:sldId id="258" r:id="rId5"/>
-    <p:sldId id="264" r:id="rId6"/>
-    <p:sldId id="259" r:id="rId7"/>
-    <p:sldId id="260" r:id="rId8"/>
-    <p:sldId id="261" r:id="rId9"/>
-    <p:sldId id="262" r:id="rId10"/>
-    <p:sldId id="263" r:id="rId11"/>
+    <p:sldId id="266" r:id="rId5"/>
+    <p:sldId id="258" r:id="rId6"/>
+    <p:sldId id="264" r:id="rId7"/>
+    <p:sldId id="259" r:id="rId8"/>
+    <p:sldId id="260" r:id="rId9"/>
+    <p:sldId id="261" r:id="rId10"/>
+    <p:sldId id="262" r:id="rId11"/>
+    <p:sldId id="263" r:id="rId12"/>
   </p:sldIdLst>
   <p:sldSz cx="12192000" cy="6858000"/>
   <p:notesSz cx="6858000" cy="9144000"/>
@@ -116,6 +117,22 @@
       </a:defRPr>
     </a:lvl9pPr>
   </p:defaultTextStyle>
+  <p:extLst>
+    <p:ext uri="{EFAFB233-063F-42B5-8137-9DF3F51BA10A}">
+      <p15:sldGuideLst xmlns:p15="http://schemas.microsoft.com/office/powerpoint/2012/main">
+        <p15:guide id="1" orient="horz" pos="2160">
+          <p15:clr>
+            <a:srgbClr val="A4A3A4"/>
+          </p15:clr>
+        </p15:guide>
+        <p15:guide id="2" pos="3840">
+          <p15:clr>
+            <a:srgbClr val="A4A3A4"/>
+          </p15:clr>
+        </p15:guide>
+      </p15:sldGuideLst>
+    </p:ext>
+  </p:extLst>
 </p:presentation>
 </file>
 
@@ -4074,7 +4091,7 @@
           <p:cNvPr id="4" name="Rectangle 2">
             <a:extLst>
               <a:ext uri="{FF2B5EF4-FFF2-40B4-BE49-F238E27FC236}">
-                <a16:creationId xmlns:a16="http://schemas.microsoft.com/office/drawing/2014/main" xmlns="" id="{C62C8433-4255-4DF9-A582-EA9B56F9B566}"/>
+                <a16:creationId xmlns:a16="http://schemas.microsoft.com/office/drawing/2014/main" id="{C62C8433-4255-4DF9-A582-EA9B56F9B566}"/>
               </a:ext>
             </a:extLst>
           </p:cNvPr>
@@ -4143,7 +4160,7 @@
           <p:cNvPr id="1025" name="Picture 58">
             <a:extLst>
               <a:ext uri="{FF2B5EF4-FFF2-40B4-BE49-F238E27FC236}">
-                <a16:creationId xmlns:a16="http://schemas.microsoft.com/office/drawing/2014/main" xmlns="" id="{9530527C-3B12-4C8B-9C34-285F01F2874F}"/>
+                <a16:creationId xmlns:a16="http://schemas.microsoft.com/office/drawing/2014/main" id="{9530527C-3B12-4C8B-9C34-285F01F2874F}"/>
               </a:ext>
             </a:extLst>
           </p:cNvPr>
@@ -4190,7 +4207,7 @@
           <p:cNvPr id="5" name="Rectangle 3">
             <a:extLst>
               <a:ext uri="{FF2B5EF4-FFF2-40B4-BE49-F238E27FC236}">
-                <a16:creationId xmlns:a16="http://schemas.microsoft.com/office/drawing/2014/main" xmlns="" id="{7112B42E-84F6-45EB-96CA-460A1791B68F}"/>
+                <a16:creationId xmlns:a16="http://schemas.microsoft.com/office/drawing/2014/main" id="{7112B42E-84F6-45EB-96CA-460A1791B68F}"/>
               </a:ext>
             </a:extLst>
           </p:cNvPr>
@@ -4432,7 +4449,7 @@
           <p:cNvPr id="6" name="TextBox 5">
             <a:extLst>
               <a:ext uri="{FF2B5EF4-FFF2-40B4-BE49-F238E27FC236}">
-                <a16:creationId xmlns:a16="http://schemas.microsoft.com/office/drawing/2014/main" xmlns="" id="{AD270AC7-945F-4F1F-B4FB-29CBEFF4220B}"/>
+                <a16:creationId xmlns:a16="http://schemas.microsoft.com/office/drawing/2014/main" id="{AD270AC7-945F-4F1F-B4FB-29CBEFF4220B}"/>
               </a:ext>
             </a:extLst>
           </p:cNvPr>
@@ -4498,7 +4515,118 @@
           <p:cNvPr id="2" name="Title 1">
             <a:extLst>
               <a:ext uri="{FF2B5EF4-FFF2-40B4-BE49-F238E27FC236}">
-                <a16:creationId xmlns:a16="http://schemas.microsoft.com/office/drawing/2014/main" xmlns="" id="{13AA3579-19D9-4098-9D3D-16FF14F670DA}"/>
+                <a16:creationId xmlns:a16="http://schemas.microsoft.com/office/drawing/2014/main" id="{02357D58-AA01-447F-BAAB-E77B821A9C94}"/>
+              </a:ext>
+            </a:extLst>
+          </p:cNvPr>
+          <p:cNvSpPr>
+            <a:spLocks noGrp="1"/>
+          </p:cNvSpPr>
+          <p:nvPr>
+            <p:ph type="title"/>
+          </p:nvPr>
+        </p:nvSpPr>
+        <p:spPr>
+          <a:xfrm>
+            <a:off x="457199" y="427449"/>
+            <a:ext cx="10754437" cy="800850"/>
+          </a:xfrm>
+        </p:spPr>
+        <p:txBody>
+          <a:bodyPr>
+            <a:normAutofit fontScale="90000"/>
+          </a:bodyPr>
+          <a:lstStyle/>
+          <a:p>
+            <a:r>
+              <a:rPr lang="en-IN" dirty="0"/>
+              <a:t>Program Evaluation Review Technique</a:t>
+            </a:r>
+            <a:r>
+              <a:rPr lang="en-GB" dirty="0"/>
+              <a:t> chart</a:t>
+            </a:r>
+            <a:endParaRPr lang="en-IN" dirty="0"/>
+          </a:p>
+        </p:txBody>
+      </p:sp>
+      <p:pic>
+        <p:nvPicPr>
+          <p:cNvPr id="4" name="Content Placeholder 3">
+            <a:extLst>
+              <a:ext uri="{FF2B5EF4-FFF2-40B4-BE49-F238E27FC236}">
+                <a16:creationId xmlns:a16="http://schemas.microsoft.com/office/drawing/2014/main" id="{C87DD56F-A8E8-42D0-A791-C6D227D174CE}"/>
+              </a:ext>
+            </a:extLst>
+          </p:cNvPr>
+          <p:cNvPicPr>
+            <a:picLocks noGrp="1"/>
+          </p:cNvPicPr>
+          <p:nvPr>
+            <p:ph sz="quarter" idx="13"/>
+          </p:nvPr>
+        </p:nvPicPr>
+        <p:blipFill rotWithShape="1">
+          <a:blip r:embed="rId2">
+            <a:extLst>
+              <a:ext uri="{28A0092B-C50C-407E-A947-70E740481C1C}">
+                <a14:useLocalDpi xmlns:a14="http://schemas.microsoft.com/office/drawing/2010/main" val="0"/>
+              </a:ext>
+            </a:extLst>
+          </a:blip>
+          <a:srcRect l="773" t="1315" r="1855" b="3500"/>
+          <a:stretch/>
+        </p:blipFill>
+        <p:spPr bwMode="auto">
+          <a:xfrm>
+            <a:off x="1487606" y="1487606"/>
+            <a:ext cx="8598090" cy="4942945"/>
+          </a:xfrm>
+          <a:prstGeom prst="rect">
+            <a:avLst/>
+          </a:prstGeom>
+          <a:noFill/>
+          <a:ln>
+            <a:noFill/>
+          </a:ln>
+        </p:spPr>
+      </p:pic>
+    </p:spTree>
+    <p:extLst>
+      <p:ext uri="{BB962C8B-B14F-4D97-AF65-F5344CB8AC3E}">
+        <p14:creationId xmlns:p14="http://schemas.microsoft.com/office/powerpoint/2010/main" val="2394706073"/>
+      </p:ext>
+    </p:extLst>
+  </p:cSld>
+  <p:clrMapOvr>
+    <a:masterClrMapping/>
+  </p:clrMapOvr>
+</p:sld>
+</file>
+
+<file path=ppt/slides/slide11.xml><?xml version="1.0" encoding="utf-8"?>
+<p:sld xmlns:a="http://schemas.openxmlformats.org/drawingml/2006/main" xmlns:r="http://schemas.openxmlformats.org/officeDocument/2006/relationships" xmlns:p="http://schemas.openxmlformats.org/presentationml/2006/main">
+  <p:cSld>
+    <p:spTree>
+      <p:nvGrpSpPr>
+        <p:cNvPr id="1" name=""/>
+        <p:cNvGrpSpPr/>
+        <p:nvPr/>
+      </p:nvGrpSpPr>
+      <p:grpSpPr>
+        <a:xfrm>
+          <a:off x="0" y="0"/>
+          <a:ext cx="0" cy="0"/>
+          <a:chOff x="0" y="0"/>
+          <a:chExt cx="0" cy="0"/>
+        </a:xfrm>
+      </p:grpSpPr>
+      <p:sp>
+        <p:nvSpPr>
+          <p:cNvPr id="2" name="Title 1">
+            <a:extLst>
+              <a:ext uri="{FF2B5EF4-FFF2-40B4-BE49-F238E27FC236}">
+                <a16:creationId xmlns:a16="http://schemas.microsoft.com/office/drawing/2014/main" id="{13AA3579-19D9-4098-9D3D-16FF14F670DA}"/>
               </a:ext>
             </a:extLst>
           </p:cNvPr>
@@ -4568,7 +4696,7 @@
           <p:cNvPr id="2" name="Title 1">
             <a:extLst>
               <a:ext uri="{FF2B5EF4-FFF2-40B4-BE49-F238E27FC236}">
-                <a16:creationId xmlns:a16="http://schemas.microsoft.com/office/drawing/2014/main" xmlns="" id="{22385106-EB39-4760-A78E-9B2C2D0BDB15}"/>
+                <a16:creationId xmlns:a16="http://schemas.microsoft.com/office/drawing/2014/main" id="{22385106-EB39-4760-A78E-9B2C2D0BDB15}"/>
               </a:ext>
             </a:extLst>
           </p:cNvPr>
@@ -4604,7 +4732,7 @@
           <p:cNvPr id="4" name="TextBox 3">
             <a:extLst>
               <a:ext uri="{FF2B5EF4-FFF2-40B4-BE49-F238E27FC236}">
-                <a16:creationId xmlns:a16="http://schemas.microsoft.com/office/drawing/2014/main" xmlns="" id="{259C0A27-4D15-4D14-9A51-EA266A5EF74A}"/>
+                <a16:creationId xmlns:a16="http://schemas.microsoft.com/office/drawing/2014/main" id="{259C0A27-4D15-4D14-9A51-EA266A5EF74A}"/>
               </a:ext>
             </a:extLst>
           </p:cNvPr>
@@ -4690,7 +4818,7 @@
           <p:cNvPr id="2" name="Title 1">
             <a:extLst>
               <a:ext uri="{FF2B5EF4-FFF2-40B4-BE49-F238E27FC236}">
-                <a16:creationId xmlns:a16="http://schemas.microsoft.com/office/drawing/2014/main" xmlns="" id="{ACB9C629-D534-4E0B-9E49-E69AD0A8AAE2}"/>
+                <a16:creationId xmlns:a16="http://schemas.microsoft.com/office/drawing/2014/main" id="{ACB9C629-D534-4E0B-9E49-E69AD0A8AAE2}"/>
               </a:ext>
             </a:extLst>
           </p:cNvPr>
@@ -4726,7 +4854,7 @@
           <p:cNvPr id="3" name="Content Placeholder 2">
             <a:extLst>
               <a:ext uri="{FF2B5EF4-FFF2-40B4-BE49-F238E27FC236}">
-                <a16:creationId xmlns:a16="http://schemas.microsoft.com/office/drawing/2014/main" xmlns="" id="{E0719E46-645D-4D68-8C2F-C49F6782B359}"/>
+                <a16:creationId xmlns:a16="http://schemas.microsoft.com/office/drawing/2014/main" id="{E0719E46-645D-4D68-8C2F-C49F6782B359}"/>
               </a:ext>
             </a:extLst>
           </p:cNvPr>
@@ -4740,54 +4868,62 @@
         <p:spPr/>
         <p:txBody>
           <a:bodyPr>
-            <a:normAutofit lnSpcReduction="10000"/>
+            <a:normAutofit/>
           </a:bodyPr>
           <a:lstStyle/>
           <a:p>
             <a:r>
-              <a:rPr lang="en-IN" sz="1600" dirty="0"/>
+              <a:rPr lang="en-IN" dirty="0"/>
               <a:t>An </a:t>
             </a:r>
             <a:r>
-              <a:rPr lang="en-IN" sz="1600" b="1" dirty="0"/>
+              <a:rPr lang="en-IN" b="1" dirty="0"/>
               <a:t>email server</a:t>
             </a:r>
             <a:r>
-              <a:rPr lang="en-IN" sz="1600" dirty="0"/>
+              <a:rPr lang="en-IN" dirty="0"/>
               <a:t> or a</a:t>
             </a:r>
             <a:r>
-              <a:rPr lang="en-IN" sz="1600" b="1" dirty="0"/>
+              <a:rPr lang="en-IN" b="1" dirty="0"/>
               <a:t> mail server</a:t>
             </a:r>
             <a:r>
-              <a:rPr lang="en-IN" sz="1600" dirty="0"/>
+              <a:rPr lang="en-IN" dirty="0"/>
               <a:t> is a computer that serves the functionality of a mail transfer agent (MTA). </a:t>
             </a:r>
             <a:r>
-              <a:rPr lang="en-GB" sz="1600" b="1" dirty="0"/>
+              <a:rPr lang="en-GB" b="1" dirty="0"/>
               <a:t> </a:t>
             </a:r>
           </a:p>
           <a:p>
             <a:r>
-              <a:rPr lang="en-IN" sz="1600" dirty="0"/>
+              <a:rPr lang="en-IN" dirty="0"/>
               <a:t>Basis on statistics report on e-mail account in 2014, totalled 4.1 billion email accounts were actively used. </a:t>
             </a:r>
           </a:p>
           <a:p>
             <a:r>
-              <a:rPr lang="en-IN" sz="1600" dirty="0"/>
+              <a:rPr lang="en-IN" dirty="0"/>
               <a:t>Most of the internet system uses </a:t>
             </a:r>
             <a:r>
-              <a:rPr lang="en-IN" sz="1600" b="1" dirty="0"/>
+              <a:rPr lang="en-IN" b="1" dirty="0"/>
               <a:t>SMTP (Simple Mail Transfer Protocol) for</a:t>
             </a:r>
             <a:r>
-              <a:rPr lang="en-IN" sz="1600" dirty="0"/>
+              <a:rPr lang="en-IN" dirty="0"/>
               <a:t> transfer of mail from one user to another. It is a push protocol i.e. it is used to send the mail. </a:t>
             </a:r>
+            <a:endParaRPr lang="en-IN" dirty="0">
+              <a:solidFill>
+                <a:srgbClr val="1C1E29"/>
+              </a:solidFill>
+              <a:latin typeface="+mj-lt"/>
+              <a:ea typeface="Times New Roman" panose="02020603050405020304" pitchFamily="18" charset="0"/>
+              <a:cs typeface="Mangal" panose="02040503050203030202" pitchFamily="18" charset="0"/>
+            </a:endParaRPr>
           </a:p>
           <a:p>
             <a:pPr algn="just">
@@ -4799,50 +4935,7 @@
               </a:spcAft>
             </a:pPr>
             <a:r>
-              <a:rPr lang="en-IN" sz="1600" dirty="0">
-                <a:solidFill>
-                  <a:srgbClr val="1C1E29"/>
-                </a:solidFill>
-                <a:latin typeface="+mj-lt"/>
-                <a:ea typeface="Times New Roman" panose="02020603050405020304" pitchFamily="18" charset="0"/>
-                <a:cs typeface="Mangal" panose="02040503050203030202" pitchFamily="18" charset="0"/>
-              </a:rPr>
-              <a:t>In </a:t>
-            </a:r>
-            <a:r>
-              <a:rPr lang="en-IN" sz="1600" b="1" dirty="0">
-                <a:solidFill>
-                  <a:srgbClr val="1C1E29"/>
-                </a:solidFill>
-                <a:latin typeface="+mj-lt"/>
-                <a:ea typeface="Times New Roman" panose="02020603050405020304" pitchFamily="18" charset="0"/>
-                <a:cs typeface="Mangal" panose="02040503050203030202" pitchFamily="18" charset="0"/>
-              </a:rPr>
-              <a:t>SMTP</a:t>
-            </a:r>
-            <a:r>
-              <a:rPr lang="en-IN" sz="1600" dirty="0">
-                <a:solidFill>
-                  <a:srgbClr val="1C1E29"/>
-                </a:solidFill>
-                <a:latin typeface="+mj-lt"/>
-                <a:ea typeface="Times New Roman" panose="02020603050405020304" pitchFamily="18" charset="0"/>
-                <a:cs typeface="Mangal" panose="02040503050203030202" pitchFamily="18" charset="0"/>
-              </a:rPr>
-              <a:t>, there is a direct link between the sender's client SMTP (who wants to send the mail) and the destinations host SMTP. </a:t>
-            </a:r>
-          </a:p>
-          <a:p>
-            <a:pPr algn="just">
-              <a:lnSpc>
-                <a:spcPct val="107000"/>
-              </a:lnSpc>
-              <a:spcAft>
-                <a:spcPts val="0"/>
-              </a:spcAft>
-            </a:pPr>
-            <a:r>
-              <a:rPr lang="en-IN" sz="1600" dirty="0">
+              <a:rPr lang="en-IN" dirty="0">
                 <a:solidFill>
                   <a:srgbClr val="1C1E29"/>
                 </a:solidFill>
@@ -4852,7 +4945,7 @@
               </a:rPr>
               <a:t>The client SMTP is the one which initiates the session, and the receiver-SMTP is the one which responds to the session. </a:t>
             </a:r>
-            <a:endParaRPr lang="en-IN" sz="1600" dirty="0">
+            <a:endParaRPr lang="en-IN" dirty="0">
               <a:latin typeface="+mj-lt"/>
               <a:ea typeface="Calibri" panose="020F0502020204030204" pitchFamily="34" charset="0"/>
               <a:cs typeface="Mangal" panose="02040503050203030202" pitchFamily="18" charset="0"/>
@@ -4895,13 +4988,7 @@
       </p:grpSpPr>
       <p:sp>
         <p:nvSpPr>
-          <p:cNvPr id="2" name="Title 1">
-            <a:extLst>
-              <a:ext uri="{FF2B5EF4-FFF2-40B4-BE49-F238E27FC236}">
-                <a16:creationId xmlns:a16="http://schemas.microsoft.com/office/drawing/2014/main" xmlns="" id="{1D0EFF4E-36D7-40FC-9FE4-E55EE42C8EE4}"/>
-              </a:ext>
-            </a:extLst>
-          </p:cNvPr>
+          <p:cNvPr id="2" name="Title 1"/>
           <p:cNvSpPr>
             <a:spLocks noGrp="1"/>
           </p:cNvSpPr>
@@ -4915,8 +5002,8 @@
           <a:lstStyle/>
           <a:p>
             <a:r>
-              <a:rPr lang="en-GB" dirty="0"/>
-              <a:t>Protocols and essentials</a:t>
+              <a:rPr lang="en-IN" dirty="0" smtClean="0"/>
+              <a:t>SSL &amp; CSR</a:t>
             </a:r>
             <a:endParaRPr lang="en-IN" dirty="0"/>
           </a:p>
@@ -4924,13 +5011,7 @@
       </p:sp>
       <p:sp>
         <p:nvSpPr>
-          <p:cNvPr id="3" name="Content Placeholder 2">
-            <a:extLst>
-              <a:ext uri="{FF2B5EF4-FFF2-40B4-BE49-F238E27FC236}">
-                <a16:creationId xmlns:a16="http://schemas.microsoft.com/office/drawing/2014/main" xmlns="" id="{8D89595D-010C-4FF6-8D32-42DB9E5C6444}"/>
-              </a:ext>
-            </a:extLst>
-          </p:cNvPr>
+          <p:cNvPr id="3" name="Content Placeholder 2"/>
           <p:cNvSpPr>
             <a:spLocks noGrp="1"/>
           </p:cNvSpPr>
@@ -4940,8 +5021,8 @@
         </p:nvSpPr>
         <p:spPr>
           <a:xfrm>
-            <a:off x="913774" y="2367092"/>
-            <a:ext cx="10363826" cy="3719809"/>
+            <a:off x="685800" y="2063396"/>
+            <a:ext cx="10536382" cy="3797077"/>
           </a:xfrm>
         </p:spPr>
         <p:txBody>
@@ -4951,83 +5032,90 @@
           <a:lstStyle/>
           <a:p>
             <a:r>
-              <a:rPr lang="en-IN" sz="1600" dirty="0"/>
-              <a:t>In </a:t>
-            </a:r>
-            <a:r>
-              <a:rPr lang="en-IN" sz="1600" b="1" dirty="0"/>
-              <a:t>SMTP</a:t>
-            </a:r>
-            <a:r>
-              <a:rPr lang="en-IN" sz="1600" dirty="0"/>
-              <a:t>, there is a direct link between the sender's client SMTP (who wants to send the mail) and the destinations host SMTP.</a:t>
-            </a:r>
-          </a:p>
-          <a:p>
-            <a:r>
-              <a:rPr lang="en-IN" sz="1600" dirty="0"/>
-              <a:t>The SMTP server keeps the mail until and unless it is successfully copied to the receiver's SMTP.</a:t>
-            </a:r>
-          </a:p>
-          <a:p>
-            <a:pPr marL="0" indent="0">
-              <a:buNone/>
-            </a:pPr>
-            <a:r>
-              <a:rPr lang="en-IN" sz="1600" dirty="0"/>
-              <a:t>		=) sending -	ports (ssl) – 465</a:t>
-            </a:r>
-          </a:p>
-          <a:p>
-            <a:r>
-              <a:rPr lang="en-IN" sz="1600" dirty="0"/>
-              <a:t>POP 3 – acts as the receiving protocol for the mailing server.</a:t>
-            </a:r>
-          </a:p>
-          <a:p>
-            <a:r>
-              <a:rPr lang="en-IN" sz="1600" dirty="0">
-                <a:solidFill>
-                  <a:srgbClr val="1C1E29"/>
-                </a:solidFill>
-                <a:latin typeface="Times New Roman" panose="02020603050405020304" pitchFamily="18" charset="0"/>
-                <a:ea typeface="Times New Roman" panose="02020603050405020304" pitchFamily="18" charset="0"/>
-              </a:rPr>
-              <a:t>POP can be thought of as a "store-and-forward” service.</a:t>
-            </a:r>
-            <a:r>
-              <a:rPr lang="en-IN" sz="1600" dirty="0"/>
-              <a:t>  </a:t>
-            </a:r>
-          </a:p>
-          <a:p>
-            <a:pPr marL="1828800" lvl="4" indent="0">
-              <a:buNone/>
-            </a:pPr>
-            <a:r>
-              <a:rPr lang="en-IN" sz="1600" dirty="0"/>
-              <a:t>=) Receiving - 	ports (ssl) – 995</a:t>
-            </a:r>
-          </a:p>
-          <a:p>
-            <a:r>
-              <a:rPr lang="en-IN" sz="1600" b="1" dirty="0"/>
-              <a:t>POSTFIX: </a:t>
-            </a:r>
-            <a:r>
-              <a:rPr lang="en-IN" sz="1600" dirty="0"/>
-              <a:t>It is a free and open mail transfer agent (MTA) that relays mail between different mail servers and the internet. It routes and delivers the email. It is released under the IBM Public License 1.0 which is a free software license.</a:t>
-            </a:r>
-          </a:p>
-          <a:p>
-            <a:endParaRPr lang="en-IN" sz="1800" dirty="0"/>
+              <a:rPr lang="en-IN" b="1" dirty="0"/>
+              <a:t>SSL</a:t>
+            </a:r>
+            <a:r>
+              <a:rPr lang="en-IN" dirty="0"/>
+              <a:t> stands for </a:t>
+            </a:r>
+            <a:r>
+              <a:rPr lang="en-IN" b="1" dirty="0"/>
+              <a:t>Secure Socket Layer.</a:t>
+            </a:r>
+            <a:endParaRPr lang="en-IN" dirty="0"/>
+          </a:p>
+          <a:p>
+            <a:r>
+              <a:rPr lang="en-IN" dirty="0"/>
+              <a:t>It is a standard technology for securing the internet connection and also safeguarding any kind of sensitive data that is sent between two systems.</a:t>
+            </a:r>
+          </a:p>
+          <a:p>
+            <a:r>
+              <a:rPr lang="en-IN" dirty="0"/>
+              <a:t>SSL uses encryption algorithms to scramble data in </a:t>
+            </a:r>
+            <a:r>
+              <a:rPr lang="en-IN" dirty="0" smtClean="0"/>
+              <a:t>transit.</a:t>
+            </a:r>
+          </a:p>
+          <a:p>
+            <a:r>
+              <a:rPr lang="en-IN" dirty="0"/>
+              <a:t>SSL works over port number 465.</a:t>
+            </a:r>
+          </a:p>
+          <a:p>
+            <a:r>
+              <a:rPr lang="en-IN" b="1" dirty="0"/>
+              <a:t>CSR </a:t>
+            </a:r>
+            <a:r>
+              <a:rPr lang="en-IN" dirty="0"/>
+              <a:t>stands for </a:t>
+            </a:r>
+            <a:r>
+              <a:rPr lang="en-IN" b="1" dirty="0"/>
+              <a:t>Certificate Signing </a:t>
+            </a:r>
+            <a:r>
+              <a:rPr lang="en-IN" b="1" dirty="0" smtClean="0"/>
+              <a:t>Request.</a:t>
+            </a:r>
+          </a:p>
+          <a:p>
+            <a:r>
+              <a:rPr lang="en-IN" b="1" dirty="0" smtClean="0"/>
+              <a:t>CSR </a:t>
+            </a:r>
+            <a:r>
+              <a:rPr lang="en-IN" dirty="0"/>
+              <a:t>is the first step towards getting your SSL </a:t>
+            </a:r>
+            <a:r>
+              <a:rPr lang="en-IN" dirty="0" smtClean="0"/>
+              <a:t>certificate.</a:t>
+            </a:r>
+          </a:p>
+          <a:p>
+            <a:r>
+              <a:rPr lang="en-IN" dirty="0"/>
+              <a:t>The CSR contains information which is useful to create your certificate by Certificate </a:t>
+            </a:r>
+            <a:r>
+              <a:rPr lang="en-IN" dirty="0" smtClean="0"/>
+              <a:t>Authority.</a:t>
+            </a:r>
+            <a:endParaRPr lang="en-IN" dirty="0"/>
           </a:p>
         </p:txBody>
       </p:sp>
     </p:spTree>
     <p:extLst>
       <p:ext uri="{BB962C8B-B14F-4D97-AF65-F5344CB8AC3E}">
-        <p14:creationId xmlns:p14="http://schemas.microsoft.com/office/powerpoint/2010/main" val="4115965323"/>
+        <p14:creationId xmlns:p14="http://schemas.microsoft.com/office/powerpoint/2010/main" val="1090857896"/>
       </p:ext>
     </p:extLst>
   </p:cSld>
@@ -5059,7 +5147,168 @@
           <p:cNvPr id="2" name="Title 1">
             <a:extLst>
               <a:ext uri="{FF2B5EF4-FFF2-40B4-BE49-F238E27FC236}">
-                <a16:creationId xmlns:a16="http://schemas.microsoft.com/office/drawing/2014/main" xmlns="" id="{FD264866-3278-47CD-91FE-D942D8FD57FA}"/>
+                <a16:creationId xmlns:a16="http://schemas.microsoft.com/office/drawing/2014/main" id="{1D0EFF4E-36D7-40FC-9FE4-E55EE42C8EE4}"/>
+              </a:ext>
+            </a:extLst>
+          </p:cNvPr>
+          <p:cNvSpPr>
+            <a:spLocks noGrp="1"/>
+          </p:cNvSpPr>
+          <p:nvPr>
+            <p:ph type="title"/>
+          </p:nvPr>
+        </p:nvSpPr>
+        <p:spPr/>
+        <p:txBody>
+          <a:bodyPr/>
+          <a:lstStyle/>
+          <a:p>
+            <a:r>
+              <a:rPr lang="en-GB" dirty="0"/>
+              <a:t>Protocols and essentials</a:t>
+            </a:r>
+            <a:endParaRPr lang="en-IN" dirty="0"/>
+          </a:p>
+        </p:txBody>
+      </p:sp>
+      <p:sp>
+        <p:nvSpPr>
+          <p:cNvPr id="3" name="Content Placeholder 2">
+            <a:extLst>
+              <a:ext uri="{FF2B5EF4-FFF2-40B4-BE49-F238E27FC236}">
+                <a16:creationId xmlns:a16="http://schemas.microsoft.com/office/drawing/2014/main" id="{8D89595D-010C-4FF6-8D32-42DB9E5C6444}"/>
+              </a:ext>
+            </a:extLst>
+          </p:cNvPr>
+          <p:cNvSpPr>
+            <a:spLocks noGrp="1"/>
+          </p:cNvSpPr>
+          <p:nvPr>
+            <p:ph sz="quarter" idx="13"/>
+          </p:nvPr>
+        </p:nvSpPr>
+        <p:spPr>
+          <a:xfrm>
+            <a:off x="913774" y="2367092"/>
+            <a:ext cx="10363826" cy="3719809"/>
+          </a:xfrm>
+        </p:spPr>
+        <p:txBody>
+          <a:bodyPr>
+            <a:normAutofit/>
+          </a:bodyPr>
+          <a:lstStyle/>
+          <a:p>
+            <a:r>
+              <a:rPr lang="en-IN" sz="1600" dirty="0"/>
+              <a:t>In </a:t>
+            </a:r>
+            <a:r>
+              <a:rPr lang="en-IN" sz="1600" b="1" dirty="0"/>
+              <a:t>SMTP</a:t>
+            </a:r>
+            <a:r>
+              <a:rPr lang="en-IN" sz="1600" dirty="0"/>
+              <a:t>, there is a direct link between the sender's client SMTP (who wants to send the mail) and the destinations host SMTP.</a:t>
+            </a:r>
+          </a:p>
+          <a:p>
+            <a:r>
+              <a:rPr lang="en-IN" sz="1600" dirty="0"/>
+              <a:t>The SMTP server keeps the mail until and unless it is successfully copied to the receiver's SMTP.</a:t>
+            </a:r>
+          </a:p>
+          <a:p>
+            <a:pPr marL="0" indent="0">
+              <a:buNone/>
+            </a:pPr>
+            <a:r>
+              <a:rPr lang="en-IN" sz="1600" dirty="0"/>
+              <a:t>		=) sending -	ports (ssl) – 465</a:t>
+            </a:r>
+          </a:p>
+          <a:p>
+            <a:r>
+              <a:rPr lang="en-IN" sz="1600" dirty="0"/>
+              <a:t>POP 3 – acts as the receiving protocol for the mailing server.</a:t>
+            </a:r>
+          </a:p>
+          <a:p>
+            <a:r>
+              <a:rPr lang="en-IN" sz="1600" dirty="0">
+                <a:solidFill>
+                  <a:srgbClr val="1C1E29"/>
+                </a:solidFill>
+                <a:latin typeface="Times New Roman" panose="02020603050405020304" pitchFamily="18" charset="0"/>
+                <a:ea typeface="Times New Roman" panose="02020603050405020304" pitchFamily="18" charset="0"/>
+              </a:rPr>
+              <a:t>POP can be thought of as a "store-and-forward” service.</a:t>
+            </a:r>
+            <a:r>
+              <a:rPr lang="en-IN" sz="1600" dirty="0"/>
+              <a:t>  </a:t>
+            </a:r>
+          </a:p>
+          <a:p>
+            <a:pPr marL="1828800" lvl="4" indent="0">
+              <a:buNone/>
+            </a:pPr>
+            <a:r>
+              <a:rPr lang="en-IN" sz="1600" dirty="0"/>
+              <a:t>=) Receiving - 	ports (ssl) – 995</a:t>
+            </a:r>
+          </a:p>
+          <a:p>
+            <a:r>
+              <a:rPr lang="en-IN" sz="1600" b="1" dirty="0"/>
+              <a:t>POSTFIX: </a:t>
+            </a:r>
+            <a:r>
+              <a:rPr lang="en-IN" sz="1600" dirty="0"/>
+              <a:t>It is a free and open mail transfer agent (MTA) that relays mail between different mail servers and the internet. It routes and delivers the email. It is released under the IBM Public License 1.0 which is a free software license.</a:t>
+            </a:r>
+          </a:p>
+          <a:p>
+            <a:endParaRPr lang="en-IN" sz="1800" dirty="0"/>
+          </a:p>
+        </p:txBody>
+      </p:sp>
+    </p:spTree>
+    <p:extLst>
+      <p:ext uri="{BB962C8B-B14F-4D97-AF65-F5344CB8AC3E}">
+        <p14:creationId xmlns:p14="http://schemas.microsoft.com/office/powerpoint/2010/main" val="4115965323"/>
+      </p:ext>
+    </p:extLst>
+  </p:cSld>
+  <p:clrMapOvr>
+    <a:masterClrMapping/>
+  </p:clrMapOvr>
+</p:sld>
+</file>
+
+<file path=ppt/slides/slide6.xml><?xml version="1.0" encoding="utf-8"?>
+<p:sld xmlns:a="http://schemas.openxmlformats.org/drawingml/2006/main" xmlns:r="http://schemas.openxmlformats.org/officeDocument/2006/relationships" xmlns:p="http://schemas.openxmlformats.org/presentationml/2006/main">
+  <p:cSld>
+    <p:spTree>
+      <p:nvGrpSpPr>
+        <p:cNvPr id="1" name=""/>
+        <p:cNvGrpSpPr/>
+        <p:nvPr/>
+      </p:nvGrpSpPr>
+      <p:grpSpPr>
+        <a:xfrm>
+          <a:off x="0" y="0"/>
+          <a:ext cx="0" cy="0"/>
+          <a:chOff x="0" y="0"/>
+          <a:chExt cx="0" cy="0"/>
+        </a:xfrm>
+      </p:grpSpPr>
+      <p:sp>
+        <p:nvSpPr>
+          <p:cNvPr id="2" name="Title 1">
+            <a:extLst>
+              <a:ext uri="{FF2B5EF4-FFF2-40B4-BE49-F238E27FC236}">
+                <a16:creationId xmlns:a16="http://schemas.microsoft.com/office/drawing/2014/main" id="{FD264866-3278-47CD-91FE-D942D8FD57FA}"/>
               </a:ext>
             </a:extLst>
           </p:cNvPr>
@@ -5093,7 +5342,7 @@
           <p:cNvPr id="3" name="Content Placeholder 2">
             <a:extLst>
               <a:ext uri="{FF2B5EF4-FFF2-40B4-BE49-F238E27FC236}">
-                <a16:creationId xmlns:a16="http://schemas.microsoft.com/office/drawing/2014/main" xmlns="" id="{F240150C-30A2-4493-AD54-B9A7F111862B}"/>
+                <a16:creationId xmlns:a16="http://schemas.microsoft.com/office/drawing/2014/main" id="{F240150C-30A2-4493-AD54-B9A7F111862B}"/>
               </a:ext>
             </a:extLst>
           </p:cNvPr>
@@ -5130,7 +5379,7 @@
           <p:cNvPr id="5" name="Picture 4">
             <a:extLst>
               <a:ext uri="{FF2B5EF4-FFF2-40B4-BE49-F238E27FC236}">
-                <a16:creationId xmlns:a16="http://schemas.microsoft.com/office/drawing/2014/main" xmlns="" id="{BEF8D6EC-3A57-481F-A825-CD10FD8836E4}"/>
+                <a16:creationId xmlns:a16="http://schemas.microsoft.com/office/drawing/2014/main" id="{BEF8D6EC-3A57-481F-A825-CD10FD8836E4}"/>
               </a:ext>
             </a:extLst>
           </p:cNvPr>
@@ -5174,149 +5423,6 @@
 </p:sld>
 </file>
 
-<file path=ppt/slides/slide6.xml><?xml version="1.0" encoding="utf-8"?>
-<p:sld xmlns:a="http://schemas.openxmlformats.org/drawingml/2006/main" xmlns:r="http://schemas.openxmlformats.org/officeDocument/2006/relationships" xmlns:p="http://schemas.openxmlformats.org/presentationml/2006/main">
-  <p:cSld>
-    <p:spTree>
-      <p:nvGrpSpPr>
-        <p:cNvPr id="1" name=""/>
-        <p:cNvGrpSpPr/>
-        <p:nvPr/>
-      </p:nvGrpSpPr>
-      <p:grpSpPr>
-        <a:xfrm>
-          <a:off x="0" y="0"/>
-          <a:ext cx="0" cy="0"/>
-          <a:chOff x="0" y="0"/>
-          <a:chExt cx="0" cy="0"/>
-        </a:xfrm>
-      </p:grpSpPr>
-      <p:sp>
-        <p:nvSpPr>
-          <p:cNvPr id="2" name="Title 1">
-            <a:extLst>
-              <a:ext uri="{FF2B5EF4-FFF2-40B4-BE49-F238E27FC236}">
-                <a16:creationId xmlns:a16="http://schemas.microsoft.com/office/drawing/2014/main" xmlns="" id="{7E1D035E-4032-423C-9596-F701E2AAF94A}"/>
-              </a:ext>
-            </a:extLst>
-          </p:cNvPr>
-          <p:cNvSpPr>
-            <a:spLocks noGrp="1"/>
-          </p:cNvSpPr>
-          <p:nvPr>
-            <p:ph type="title"/>
-          </p:nvPr>
-        </p:nvSpPr>
-        <p:spPr/>
-        <p:txBody>
-          <a:bodyPr/>
-          <a:lstStyle/>
-          <a:p>
-            <a:r>
-              <a:rPr lang="en-US" dirty="0">
-                <a:ea typeface="Calibri" panose="020F0502020204030204" pitchFamily="34" charset="0"/>
-                <a:cs typeface="Mangal" panose="02040503050203030202" pitchFamily="18" charset="0"/>
-              </a:rPr>
-              <a:t>Problem Statement</a:t>
-            </a:r>
-            <a:endParaRPr lang="en-IN" dirty="0"/>
-          </a:p>
-        </p:txBody>
-      </p:sp>
-      <p:sp>
-        <p:nvSpPr>
-          <p:cNvPr id="3" name="Content Placeholder 2">
-            <a:extLst>
-              <a:ext uri="{FF2B5EF4-FFF2-40B4-BE49-F238E27FC236}">
-                <a16:creationId xmlns:a16="http://schemas.microsoft.com/office/drawing/2014/main" xmlns="" id="{C011688A-F81E-42BE-9F17-C1FBF803FF5F}"/>
-              </a:ext>
-            </a:extLst>
-          </p:cNvPr>
-          <p:cNvSpPr>
-            <a:spLocks noGrp="1"/>
-          </p:cNvSpPr>
-          <p:nvPr>
-            <p:ph sz="quarter" idx="13"/>
-          </p:nvPr>
-        </p:nvSpPr>
-        <p:spPr/>
-        <p:txBody>
-          <a:bodyPr>
-            <a:normAutofit/>
-          </a:bodyPr>
-          <a:lstStyle/>
-          <a:p>
-            <a:pPr marL="0" indent="0">
-              <a:spcAft>
-                <a:spcPts val="0"/>
-              </a:spcAft>
-              <a:buNone/>
-            </a:pPr>
-            <a:endParaRPr lang="en-IN" sz="1600" dirty="0">
-              <a:latin typeface="+mj-lt"/>
-              <a:ea typeface="Calibri" panose="020F0502020204030204" pitchFamily="34" charset="0"/>
-              <a:cs typeface="Mangal" panose="02040503050203030202" pitchFamily="18" charset="0"/>
-            </a:endParaRPr>
-          </a:p>
-          <a:p>
-            <a:pPr>
-              <a:lnSpc>
-                <a:spcPct val="107000"/>
-              </a:lnSpc>
-              <a:spcAft>
-                <a:spcPts val="800"/>
-              </a:spcAft>
-            </a:pPr>
-            <a:r>
-              <a:rPr lang="en-US" sz="1800" dirty="0">
-                <a:latin typeface="+mj-lt"/>
-                <a:ea typeface="Calibri" panose="020F0502020204030204" pitchFamily="34" charset="0"/>
-                <a:cs typeface="Mangal" panose="02040503050203030202" pitchFamily="18" charset="0"/>
-              </a:rPr>
-              <a:t>A lot of companies nowadays have their own privacy factors, in which they prefer to keep their delicate data inside their organizations. </a:t>
-            </a:r>
-          </a:p>
-          <a:p>
-            <a:pPr>
-              <a:lnSpc>
-                <a:spcPct val="107000"/>
-              </a:lnSpc>
-              <a:spcAft>
-                <a:spcPts val="800"/>
-              </a:spcAft>
-            </a:pPr>
-            <a:r>
-              <a:rPr lang="en-US" sz="1800" dirty="0">
-                <a:latin typeface="+mj-lt"/>
-                <a:ea typeface="Calibri" panose="020F0502020204030204" pitchFamily="34" charset="0"/>
-                <a:cs typeface="Mangal" panose="02040503050203030202" pitchFamily="18" charset="0"/>
-              </a:rPr>
-              <a:t>The Proposed work attempts to provide an improvement over basic email servers to add functionalities like log maintenance (Back up/ Deletion), algorithm to inspect incoming traffic and provide ease of access to the flagged mails. </a:t>
-            </a:r>
-            <a:endParaRPr lang="en-IN" sz="1600" dirty="0">
-              <a:latin typeface="+mj-lt"/>
-              <a:ea typeface="Calibri" panose="020F0502020204030204" pitchFamily="34" charset="0"/>
-              <a:cs typeface="Mangal" panose="02040503050203030202" pitchFamily="18" charset="0"/>
-            </a:endParaRPr>
-          </a:p>
-          <a:p>
-            <a:endParaRPr lang="en-IN" sz="1800" dirty="0"/>
-          </a:p>
-        </p:txBody>
-      </p:sp>
-    </p:spTree>
-    <p:extLst>
-      <p:ext uri="{BB962C8B-B14F-4D97-AF65-F5344CB8AC3E}">
-        <p14:creationId xmlns:p14="http://schemas.microsoft.com/office/powerpoint/2010/main" val="2144371754"/>
-      </p:ext>
-    </p:extLst>
-  </p:cSld>
-  <p:clrMapOvr>
-    <a:masterClrMapping/>
-  </p:clrMapOvr>
-</p:sld>
-</file>
-
 <file path=ppt/slides/slide7.xml><?xml version="1.0" encoding="utf-8"?>
 <p:sld xmlns:a="http://schemas.openxmlformats.org/drawingml/2006/main" xmlns:r="http://schemas.openxmlformats.org/officeDocument/2006/relationships" xmlns:p="http://schemas.openxmlformats.org/presentationml/2006/main">
   <p:cSld>
@@ -5339,7 +5445,7 @@
           <p:cNvPr id="2" name="Title 1">
             <a:extLst>
               <a:ext uri="{FF2B5EF4-FFF2-40B4-BE49-F238E27FC236}">
-                <a16:creationId xmlns:a16="http://schemas.microsoft.com/office/drawing/2014/main" xmlns="" id="{4E4FC654-84A9-4FFA-BF47-339376D1DA49}"/>
+                <a16:creationId xmlns:a16="http://schemas.microsoft.com/office/drawing/2014/main" id="{7E1D035E-4032-423C-9596-F701E2AAF94A}"/>
               </a:ext>
             </a:extLst>
           </p:cNvPr>
@@ -5350,120 +5456,107 @@
             <p:ph type="title"/>
           </p:nvPr>
         </p:nvSpPr>
-        <p:spPr>
-          <a:xfrm>
-            <a:off x="1261872" y="777922"/>
-            <a:ext cx="2614092" cy="913400"/>
-          </a:xfrm>
-        </p:spPr>
+        <p:spPr/>
+        <p:txBody>
+          <a:bodyPr/>
+          <a:lstStyle/>
+          <a:p>
+            <a:r>
+              <a:rPr lang="en-US" dirty="0">
+                <a:ea typeface="Calibri" panose="020F0502020204030204" pitchFamily="34" charset="0"/>
+                <a:cs typeface="Mangal" panose="02040503050203030202" pitchFamily="18" charset="0"/>
+              </a:rPr>
+              <a:t>Problem Statement</a:t>
+            </a:r>
+            <a:endParaRPr lang="en-IN" dirty="0"/>
+          </a:p>
+        </p:txBody>
+      </p:sp>
+      <p:sp>
+        <p:nvSpPr>
+          <p:cNvPr id="3" name="Content Placeholder 2">
+            <a:extLst>
+              <a:ext uri="{FF2B5EF4-FFF2-40B4-BE49-F238E27FC236}">
+                <a16:creationId xmlns:a16="http://schemas.microsoft.com/office/drawing/2014/main" id="{C011688A-F81E-42BE-9F17-C1FBF803FF5F}"/>
+              </a:ext>
+            </a:extLst>
+          </p:cNvPr>
+          <p:cNvSpPr>
+            <a:spLocks noGrp="1"/>
+          </p:cNvSpPr>
+          <p:nvPr>
+            <p:ph sz="quarter" idx="13"/>
+          </p:nvPr>
+        </p:nvSpPr>
+        <p:spPr/>
         <p:txBody>
           <a:bodyPr>
             <a:normAutofit/>
           </a:bodyPr>
           <a:lstStyle/>
           <a:p>
-            <a:r>
-              <a:rPr lang="en-US" dirty="0"/>
-              <a:t>Objective</a:t>
-            </a:r>
-            <a:endParaRPr lang="en-IN" dirty="0"/>
-          </a:p>
-        </p:txBody>
-      </p:sp>
-      <p:sp>
-        <p:nvSpPr>
-          <p:cNvPr id="3" name="Content Placeholder 2">
-            <a:extLst>
-              <a:ext uri="{FF2B5EF4-FFF2-40B4-BE49-F238E27FC236}">
-                <a16:creationId xmlns:a16="http://schemas.microsoft.com/office/drawing/2014/main" xmlns="" id="{8CE72870-D5A1-4F1E-A5EB-65CC8BF3493B}"/>
-              </a:ext>
-            </a:extLst>
-          </p:cNvPr>
-          <p:cNvSpPr>
-            <a:spLocks noGrp="1"/>
-          </p:cNvSpPr>
-          <p:nvPr>
-            <p:ph sz="quarter" idx="13"/>
-          </p:nvPr>
-        </p:nvSpPr>
-        <p:spPr>
-          <a:xfrm>
-            <a:off x="670702" y="1772208"/>
-            <a:ext cx="10850596" cy="4126172"/>
-          </a:xfrm>
-        </p:spPr>
-        <p:txBody>
-          <a:bodyPr>
-            <a:normAutofit/>
-          </a:bodyPr>
-          <a:lstStyle/>
-          <a:p>
             <a:pPr marL="0" indent="0">
+              <a:spcAft>
+                <a:spcPts val="0"/>
+              </a:spcAft>
               <a:buNone/>
             </a:pPr>
-            <a:r>
-              <a:rPr lang="en-US" b="1" dirty="0"/>
-              <a:t> </a:t>
-            </a:r>
-            <a:endParaRPr lang="en-IN" dirty="0"/>
-          </a:p>
-          <a:p>
-            <a:pPr lvl="0"/>
-            <a:r>
-              <a:rPr lang="en-US" dirty="0"/>
-              <a:t>The Perform Customization of an email server to serve as per the constraints identified for an organization </a:t>
-            </a:r>
-            <a:endParaRPr lang="en-IN" dirty="0"/>
-          </a:p>
-          <a:p>
-            <a:pPr lvl="1" fontAlgn="base"/>
-            <a:r>
-              <a:rPr lang="en-US" dirty="0"/>
-              <a:t>Maintain a log of all mails (sent/ received) from the server.</a:t>
-            </a:r>
-            <a:endParaRPr lang="en-IN" dirty="0"/>
-          </a:p>
-          <a:p>
-            <a:pPr lvl="1" fontAlgn="base"/>
-            <a:r>
-              <a:rPr lang="en-US" dirty="0"/>
-              <a:t>To automate the process of Backup and deletion of logs.</a:t>
-            </a:r>
-            <a:endParaRPr lang="en-IN" dirty="0"/>
-          </a:p>
-          <a:p>
-            <a:pPr lvl="1" fontAlgn="base"/>
-            <a:r>
-              <a:rPr lang="en-US" dirty="0"/>
-              <a:t>To inspect sensitive content in the mail and add constraints respective to it.</a:t>
-            </a:r>
-            <a:endParaRPr lang="en-IN" dirty="0"/>
-          </a:p>
-          <a:p>
-            <a:pPr lvl="1" fontAlgn="base"/>
-            <a:r>
-              <a:rPr lang="en-US" dirty="0"/>
-              <a:t>Applying searching and sorting algorithm to buffer list for easy access.</a:t>
-            </a:r>
-            <a:endParaRPr lang="en-IN" dirty="0"/>
-          </a:p>
-          <a:p>
-            <a:pPr lvl="1" fontAlgn="base"/>
-            <a:r>
-              <a:rPr lang="en-US" dirty="0"/>
-              <a:t>Filtering the content and providing the security to the process by signing SSL, TSL Certifications.</a:t>
-            </a:r>
-            <a:endParaRPr lang="en-IN" dirty="0"/>
-          </a:p>
-          <a:p>
-            <a:endParaRPr lang="en-IN" dirty="0"/>
+            <a:endParaRPr lang="en-IN" sz="1600" dirty="0">
+              <a:latin typeface="+mj-lt"/>
+              <a:ea typeface="Calibri" panose="020F0502020204030204" pitchFamily="34" charset="0"/>
+              <a:cs typeface="Mangal" panose="02040503050203030202" pitchFamily="18" charset="0"/>
+            </a:endParaRPr>
+          </a:p>
+          <a:p>
+            <a:pPr>
+              <a:lnSpc>
+                <a:spcPct val="107000"/>
+              </a:lnSpc>
+              <a:spcAft>
+                <a:spcPts val="800"/>
+              </a:spcAft>
+            </a:pPr>
+            <a:r>
+              <a:rPr lang="en-US" sz="1800" dirty="0">
+                <a:latin typeface="+mj-lt"/>
+                <a:ea typeface="Calibri" panose="020F0502020204030204" pitchFamily="34" charset="0"/>
+                <a:cs typeface="Mangal" panose="02040503050203030202" pitchFamily="18" charset="0"/>
+              </a:rPr>
+              <a:t>A lot of companies nowadays have their own privacy factors, in which they prefer to keep their delicate data inside their organizations. </a:t>
+            </a:r>
+          </a:p>
+          <a:p>
+            <a:pPr>
+              <a:lnSpc>
+                <a:spcPct val="107000"/>
+              </a:lnSpc>
+              <a:spcAft>
+                <a:spcPts val="800"/>
+              </a:spcAft>
+            </a:pPr>
+            <a:r>
+              <a:rPr lang="en-US" sz="1800" dirty="0">
+                <a:latin typeface="+mj-lt"/>
+                <a:ea typeface="Calibri" panose="020F0502020204030204" pitchFamily="34" charset="0"/>
+                <a:cs typeface="Mangal" panose="02040503050203030202" pitchFamily="18" charset="0"/>
+              </a:rPr>
+              <a:t>The Proposed work attempts to provide an improvement over basic email servers to add functionalities like log maintenance (Back up/ Deletion), algorithm to inspect incoming traffic and provide ease of access to the flagged mails. </a:t>
+            </a:r>
+            <a:endParaRPr lang="en-IN" sz="1600" dirty="0">
+              <a:latin typeface="+mj-lt"/>
+              <a:ea typeface="Calibri" panose="020F0502020204030204" pitchFamily="34" charset="0"/>
+              <a:cs typeface="Mangal" panose="02040503050203030202" pitchFamily="18" charset="0"/>
+            </a:endParaRPr>
+          </a:p>
+          <a:p>
+            <a:endParaRPr lang="en-IN" sz="1800" dirty="0"/>
           </a:p>
         </p:txBody>
       </p:sp>
     </p:spTree>
     <p:extLst>
       <p:ext uri="{BB962C8B-B14F-4D97-AF65-F5344CB8AC3E}">
-        <p14:creationId xmlns:p14="http://schemas.microsoft.com/office/powerpoint/2010/main" val="3025491933"/>
+        <p14:creationId xmlns:p14="http://schemas.microsoft.com/office/powerpoint/2010/main" val="2144371754"/>
       </p:ext>
     </p:extLst>
   </p:cSld>
@@ -5495,7 +5588,7 @@
           <p:cNvPr id="2" name="Title 1">
             <a:extLst>
               <a:ext uri="{FF2B5EF4-FFF2-40B4-BE49-F238E27FC236}">
-                <a16:creationId xmlns:a16="http://schemas.microsoft.com/office/drawing/2014/main" xmlns="" id="{5FAC82F6-A9AA-402D-8CD3-8B951453B760}"/>
+                <a16:creationId xmlns:a16="http://schemas.microsoft.com/office/drawing/2014/main" id="{4E4FC654-84A9-4FFA-BF47-339376D1DA49}"/>
               </a:ext>
             </a:extLst>
           </p:cNvPr>
@@ -5506,14 +5599,21 @@
             <p:ph type="title"/>
           </p:nvPr>
         </p:nvSpPr>
-        <p:spPr/>
-        <p:txBody>
-          <a:bodyPr/>
-          <a:lstStyle/>
-          <a:p>
-            <a:r>
-              <a:rPr lang="en-GB" dirty="0"/>
-              <a:t>Project requirements</a:t>
+        <p:spPr>
+          <a:xfrm>
+            <a:off x="1261872" y="777922"/>
+            <a:ext cx="2614092" cy="913400"/>
+          </a:xfrm>
+        </p:spPr>
+        <p:txBody>
+          <a:bodyPr>
+            <a:normAutofit/>
+          </a:bodyPr>
+          <a:lstStyle/>
+          <a:p>
+            <a:r>
+              <a:rPr lang="en-US" dirty="0"/>
+              <a:t>Objective</a:t>
             </a:r>
             <a:endParaRPr lang="en-IN" dirty="0"/>
           </a:p>
@@ -5524,7 +5624,7 @@
           <p:cNvPr id="3" name="Content Placeholder 2">
             <a:extLst>
               <a:ext uri="{FF2B5EF4-FFF2-40B4-BE49-F238E27FC236}">
-                <a16:creationId xmlns:a16="http://schemas.microsoft.com/office/drawing/2014/main" xmlns="" id="{33B55CFC-2DDD-4E4B-8386-B7346E57A5F1}"/>
+                <a16:creationId xmlns:a16="http://schemas.microsoft.com/office/drawing/2014/main" id="{8CE72870-D5A1-4F1E-A5EB-65CC8BF3493B}"/>
               </a:ext>
             </a:extLst>
           </p:cNvPr>
@@ -5537,88 +5637,74 @@
         </p:nvSpPr>
         <p:spPr>
           <a:xfrm>
-            <a:off x="590686" y="1848477"/>
-            <a:ext cx="10363826" cy="4101947"/>
+            <a:off x="670702" y="1772208"/>
+            <a:ext cx="10850596" cy="4126172"/>
           </a:xfrm>
         </p:spPr>
         <p:txBody>
           <a:bodyPr>
-            <a:normAutofit fontScale="92500" lnSpcReduction="10000"/>
+            <a:normAutofit/>
           </a:bodyPr>
           <a:lstStyle/>
           <a:p>
+            <a:pPr marL="0" indent="0">
+              <a:buNone/>
+            </a:pPr>
+            <a:r>
+              <a:rPr lang="en-US" b="1" dirty="0"/>
+              <a:t> </a:t>
+            </a:r>
+            <a:endParaRPr lang="en-IN" dirty="0"/>
+          </a:p>
+          <a:p>
             <a:pPr lvl="0"/>
             <a:r>
-              <a:rPr lang="en-US" sz="2400" b="1" dirty="0"/>
-              <a:t>Hardware Requirements</a:t>
-            </a:r>
-            <a:endParaRPr lang="en-IN" sz="2400" b="1" dirty="0"/>
-          </a:p>
-          <a:p>
-            <a:pPr lvl="0"/>
-            <a:r>
-              <a:rPr lang="en-US" sz="1600" dirty="0"/>
-              <a:t>Computer system</a:t>
-            </a:r>
-            <a:endParaRPr lang="en-IN" sz="1600" dirty="0"/>
-          </a:p>
-          <a:p>
-            <a:pPr lvl="0"/>
-            <a:r>
-              <a:rPr lang="en-US" sz="1600" dirty="0"/>
-              <a:t>Minimum 1GB Ram</a:t>
-            </a:r>
-            <a:endParaRPr lang="en-IN" sz="1600" dirty="0"/>
-          </a:p>
-          <a:p>
-            <a:pPr lvl="0"/>
-            <a:r>
-              <a:rPr lang="en-US" sz="1600" dirty="0"/>
-              <a:t>Minimum 40GB Hard disk</a:t>
-            </a:r>
-            <a:endParaRPr lang="en-IN" sz="1600" dirty="0"/>
-          </a:p>
-          <a:p>
-            <a:pPr lvl="0"/>
-            <a:r>
-              <a:rPr lang="en-US" sz="2400" b="1" dirty="0"/>
-              <a:t>Software Requirements</a:t>
-            </a:r>
-          </a:p>
-          <a:p>
-            <a:pPr lvl="0"/>
-            <a:r>
-              <a:rPr lang="en-US" sz="1600" dirty="0"/>
-              <a:t>Linux OS (Ubuntu Distribution)</a:t>
-            </a:r>
-          </a:p>
-          <a:p>
-            <a:pPr lvl="0"/>
-            <a:r>
-              <a:rPr lang="en-US" sz="1600" dirty="0"/>
-              <a:t>GCC</a:t>
-            </a:r>
-          </a:p>
-          <a:p>
-            <a:pPr lvl="0"/>
-            <a:r>
-              <a:rPr lang="en-US" sz="1600" dirty="0"/>
-              <a:t>PostFix</a:t>
-            </a:r>
-          </a:p>
-          <a:p>
-            <a:pPr lvl="0"/>
-            <a:r>
-              <a:rPr lang="en-US" sz="1600" dirty="0"/>
-              <a:t>SSL</a:t>
-            </a:r>
-          </a:p>
-          <a:p>
-            <a:pPr lvl="0"/>
-            <a:r>
-              <a:rPr lang="en-US" sz="1600" dirty="0"/>
-              <a:t>Smtp/pop 3</a:t>
-            </a:r>
+              <a:rPr lang="en-US" dirty="0"/>
+              <a:t>The Perform Customization of an email server to serve as per the constraints identified for an organization </a:t>
+            </a:r>
+            <a:endParaRPr lang="en-IN" dirty="0"/>
+          </a:p>
+          <a:p>
+            <a:pPr lvl="1" fontAlgn="base"/>
+            <a:r>
+              <a:rPr lang="en-US" dirty="0"/>
+              <a:t>Maintain a log of all mails (sent/ received) from the server.</a:t>
+            </a:r>
+            <a:endParaRPr lang="en-IN" dirty="0"/>
+          </a:p>
+          <a:p>
+            <a:pPr lvl="1" fontAlgn="base"/>
+            <a:r>
+              <a:rPr lang="en-US" dirty="0"/>
+              <a:t>To automate the process of Backup and deletion of logs.</a:t>
+            </a:r>
+            <a:endParaRPr lang="en-IN" dirty="0"/>
+          </a:p>
+          <a:p>
+            <a:pPr lvl="1" fontAlgn="base"/>
+            <a:r>
+              <a:rPr lang="en-US" dirty="0"/>
+              <a:t>To inspect sensitive content in the mail and add constraints respective to it.</a:t>
+            </a:r>
+            <a:endParaRPr lang="en-IN" dirty="0"/>
+          </a:p>
+          <a:p>
+            <a:pPr lvl="1" fontAlgn="base"/>
+            <a:r>
+              <a:rPr lang="en-US" dirty="0"/>
+              <a:t>Applying searching and sorting algorithm to buffer list for easy access.</a:t>
+            </a:r>
+            <a:endParaRPr lang="en-IN" dirty="0"/>
+          </a:p>
+          <a:p>
+            <a:pPr lvl="1" fontAlgn="base"/>
+            <a:r>
+              <a:rPr lang="en-US" dirty="0"/>
+              <a:t>Filtering the content and providing the security to the process by signing SSL, TSL Certifications.</a:t>
+            </a:r>
+            <a:endParaRPr lang="en-IN" dirty="0"/>
+          </a:p>
+          <a:p>
             <a:endParaRPr lang="en-IN" dirty="0"/>
           </a:p>
         </p:txBody>
@@ -5626,7 +5712,7 @@
     </p:spTree>
     <p:extLst>
       <p:ext uri="{BB962C8B-B14F-4D97-AF65-F5344CB8AC3E}">
-        <p14:creationId xmlns:p14="http://schemas.microsoft.com/office/powerpoint/2010/main" val="541490187"/>
+        <p14:creationId xmlns:p14="http://schemas.microsoft.com/office/powerpoint/2010/main" val="3025491933"/>
       </p:ext>
     </p:extLst>
   </p:cSld>
@@ -5658,7 +5744,7 @@
           <p:cNvPr id="2" name="Title 1">
             <a:extLst>
               <a:ext uri="{FF2B5EF4-FFF2-40B4-BE49-F238E27FC236}">
-                <a16:creationId xmlns:a16="http://schemas.microsoft.com/office/drawing/2014/main" xmlns="" id="{02357D58-AA01-447F-BAAB-E77B821A9C94}"/>
+                <a16:creationId xmlns:a16="http://schemas.microsoft.com/office/drawing/2014/main" id="{5FAC82F6-A9AA-402D-8CD3-8B951453B760}"/>
               </a:ext>
             </a:extLst>
           </p:cNvPr>
@@ -5669,75 +5755,127 @@
             <p:ph type="title"/>
           </p:nvPr>
         </p:nvSpPr>
-        <p:spPr>
-          <a:xfrm>
-            <a:off x="457199" y="427449"/>
-            <a:ext cx="10754437" cy="800850"/>
-          </a:xfrm>
-        </p:spPr>
-        <p:txBody>
-          <a:bodyPr>
-            <a:normAutofit fontScale="90000"/>
-          </a:bodyPr>
-          <a:lstStyle/>
-          <a:p>
-            <a:r>
-              <a:rPr lang="en-IN" dirty="0"/>
-              <a:t>Program Evaluation Review Technique</a:t>
-            </a:r>
+        <p:spPr/>
+        <p:txBody>
+          <a:bodyPr/>
+          <a:lstStyle/>
+          <a:p>
             <a:r>
               <a:rPr lang="en-GB" dirty="0"/>
-              <a:t> chart</a:t>
+              <a:t>Project requirements</a:t>
             </a:r>
             <a:endParaRPr lang="en-IN" dirty="0"/>
           </a:p>
         </p:txBody>
       </p:sp>
-      <p:pic>
-        <p:nvPicPr>
-          <p:cNvPr id="4" name="Content Placeholder 3">
+      <p:sp>
+        <p:nvSpPr>
+          <p:cNvPr id="3" name="Content Placeholder 2">
             <a:extLst>
               <a:ext uri="{FF2B5EF4-FFF2-40B4-BE49-F238E27FC236}">
-                <a16:creationId xmlns:a16="http://schemas.microsoft.com/office/drawing/2014/main" xmlns="" id="{C87DD56F-A8E8-42D0-A791-C6D227D174CE}"/>
+                <a16:creationId xmlns:a16="http://schemas.microsoft.com/office/drawing/2014/main" id="{33B55CFC-2DDD-4E4B-8386-B7346E57A5F1}"/>
               </a:ext>
             </a:extLst>
           </p:cNvPr>
-          <p:cNvPicPr>
-            <a:picLocks noGrp="1"/>
-          </p:cNvPicPr>
+          <p:cNvSpPr>
+            <a:spLocks noGrp="1"/>
+          </p:cNvSpPr>
           <p:nvPr>
             <p:ph sz="quarter" idx="13"/>
           </p:nvPr>
-        </p:nvPicPr>
-        <p:blipFill rotWithShape="1">
-          <a:blip r:embed="rId2">
-            <a:extLst>
-              <a:ext uri="{28A0092B-C50C-407E-A947-70E740481C1C}">
-                <a14:useLocalDpi xmlns:a14="http://schemas.microsoft.com/office/drawing/2010/main" val="0"/>
-              </a:ext>
-            </a:extLst>
-          </a:blip>
-          <a:srcRect l="773" t="1315" r="1855" b="3500"/>
-          <a:stretch/>
-        </p:blipFill>
-        <p:spPr bwMode="auto">
+        </p:nvSpPr>
+        <p:spPr>
           <a:xfrm>
-            <a:off x="1487606" y="1487606"/>
-            <a:ext cx="8598090" cy="4942945"/>
+            <a:off x="590686" y="1848477"/>
+            <a:ext cx="10363826" cy="4101947"/>
           </a:xfrm>
-          <a:prstGeom prst="rect">
-            <a:avLst/>
-          </a:prstGeom>
-          <a:noFill/>
-          <a:ln>
-            <a:noFill/>
-          </a:ln>
         </p:spPr>
-      </p:pic>
+        <p:txBody>
+          <a:bodyPr>
+            <a:normAutofit fontScale="92500" lnSpcReduction="10000"/>
+          </a:bodyPr>
+          <a:lstStyle/>
+          <a:p>
+            <a:pPr lvl="0"/>
+            <a:r>
+              <a:rPr lang="en-US" sz="2400" b="1" dirty="0"/>
+              <a:t>Hardware Requirements</a:t>
+            </a:r>
+            <a:endParaRPr lang="en-IN" sz="2400" b="1" dirty="0"/>
+          </a:p>
+          <a:p>
+            <a:pPr lvl="0"/>
+            <a:r>
+              <a:rPr lang="en-US" sz="1600" dirty="0"/>
+              <a:t>Computer system</a:t>
+            </a:r>
+            <a:endParaRPr lang="en-IN" sz="1600" dirty="0"/>
+          </a:p>
+          <a:p>
+            <a:pPr lvl="0"/>
+            <a:r>
+              <a:rPr lang="en-US" sz="1600" dirty="0"/>
+              <a:t>Minimum 1GB Ram</a:t>
+            </a:r>
+            <a:endParaRPr lang="en-IN" sz="1600" dirty="0"/>
+          </a:p>
+          <a:p>
+            <a:pPr lvl="0"/>
+            <a:r>
+              <a:rPr lang="en-US" sz="1600" dirty="0"/>
+              <a:t>Minimum 40GB Hard disk</a:t>
+            </a:r>
+            <a:endParaRPr lang="en-IN" sz="1600" dirty="0"/>
+          </a:p>
+          <a:p>
+            <a:pPr lvl="0"/>
+            <a:r>
+              <a:rPr lang="en-US" sz="2400" b="1" dirty="0"/>
+              <a:t>Software Requirements</a:t>
+            </a:r>
+          </a:p>
+          <a:p>
+            <a:pPr lvl="0"/>
+            <a:r>
+              <a:rPr lang="en-US" sz="1600" dirty="0"/>
+              <a:t>Linux OS (Ubuntu Distribution)</a:t>
+            </a:r>
+          </a:p>
+          <a:p>
+            <a:pPr lvl="0"/>
+            <a:r>
+              <a:rPr lang="en-US" sz="1600" dirty="0"/>
+              <a:t>GCC</a:t>
+            </a:r>
+          </a:p>
+          <a:p>
+            <a:pPr lvl="0"/>
+            <a:r>
+              <a:rPr lang="en-US" sz="1600" dirty="0"/>
+              <a:t>PostFix</a:t>
+            </a:r>
+          </a:p>
+          <a:p>
+            <a:pPr lvl="0"/>
+            <a:r>
+              <a:rPr lang="en-US" sz="1600" dirty="0"/>
+              <a:t>SSL</a:t>
+            </a:r>
+          </a:p>
+          <a:p>
+            <a:pPr lvl="0"/>
+            <a:r>
+              <a:rPr lang="en-US" sz="1600" dirty="0"/>
+              <a:t>Smtp/pop 3</a:t>
+            </a:r>
+            <a:endParaRPr lang="en-IN" dirty="0"/>
+          </a:p>
+        </p:txBody>
+      </p:sp>
     </p:spTree>
     <p:extLst>
       <p:ext uri="{BB962C8B-B14F-4D97-AF65-F5344CB8AC3E}">
-        <p14:creationId xmlns:p14="http://schemas.microsoft.com/office/powerpoint/2010/main" val="2394706073"/>
+        <p14:creationId xmlns:p14="http://schemas.microsoft.com/office/powerpoint/2010/main" val="541490187"/>
       </p:ext>
     </p:extLst>
   </p:cSld>
@@ -5994,7 +6132,7 @@
   <a:extraClrSchemeLst/>
   <a:extLst>
     <a:ext uri="{05A4C25C-085E-4340-85A3-A5531E510DB2}">
-      <thm15:themeFamily xmlns:thm15="http://schemas.microsoft.com/office/thememl/2012/main" xmlns="" name="View" id="{BA0EB5A6-F2D4-4F82-977B-64ADEE4A2A69}" vid="{3969A8A2-35DB-4E3B-8885-16FD20568674}"/>
+      <thm15:themeFamily xmlns:thm15="http://schemas.microsoft.com/office/thememl/2012/main" name="View" id="{BA0EB5A6-F2D4-4F82-977B-64ADEE4A2A69}" vid="{3969A8A2-35DB-4E3B-8885-16FD20568674}"/>
     </a:ext>
   </a:extLst>
 </a:theme>

--- a/Server_Architecture PPT.pptx
+++ b/Server_Architecture PPT.pptx
@@ -11,8 +11,8 @@
     <p:sldId id="256" r:id="rId2"/>
     <p:sldId id="265" r:id="rId3"/>
     <p:sldId id="257" r:id="rId4"/>
-    <p:sldId id="266" r:id="rId5"/>
-    <p:sldId id="258" r:id="rId6"/>
+    <p:sldId id="258" r:id="rId5"/>
+    <p:sldId id="266" r:id="rId6"/>
     <p:sldId id="264" r:id="rId7"/>
     <p:sldId id="259" r:id="rId8"/>
     <p:sldId id="260" r:id="rId9"/>
@@ -119,7 +119,7 @@
   </p:defaultTextStyle>
   <p:extLst>
     <p:ext uri="{EFAFB233-063F-42B5-8137-9DF3F51BA10A}">
-      <p15:sldGuideLst xmlns:p15="http://schemas.microsoft.com/office/powerpoint/2012/main">
+      <p15:sldGuideLst xmlns:p15="http://schemas.microsoft.com/office/powerpoint/2012/main" xmlns="">
         <p15:guide id="1" orient="horz" pos="2160">
           <p15:clr>
             <a:srgbClr val="A4A3A4"/>
@@ -218,7 +218,7 @@
           <a:p>
             <a:fld id="{956C5DC4-749D-4A67-868B-AA5BD811843D}" type="datetimeFigureOut">
               <a:rPr lang="en-IN" smtClean="0"/>
-              <a:t>29-08-2019</a:t>
+              <a:t>30-08-2019</a:t>
             </a:fld>
             <a:endParaRPr lang="en-IN"/>
           </a:p>
@@ -738,7 +738,7 @@
           <a:p>
             <a:fld id="{A6D9BCB1-20E8-439C-BAA2-6F984C91237B}" type="datetimeFigureOut">
               <a:rPr lang="en-IN" smtClean="0"/>
-              <a:t>29-08-2019</a:t>
+              <a:t>30-08-2019</a:t>
             </a:fld>
             <a:endParaRPr lang="en-IN" dirty="0"/>
           </a:p>
@@ -966,7 +966,7 @@
           <a:p>
             <a:fld id="{A6D9BCB1-20E8-439C-BAA2-6F984C91237B}" type="datetimeFigureOut">
               <a:rPr lang="en-IN" smtClean="0"/>
-              <a:t>29-08-2019</a:t>
+              <a:t>30-08-2019</a:t>
             </a:fld>
             <a:endParaRPr lang="en-IN" dirty="0"/>
           </a:p>
@@ -1146,7 +1146,7 @@
           <a:p>
             <a:fld id="{A6D9BCB1-20E8-439C-BAA2-6F984C91237B}" type="datetimeFigureOut">
               <a:rPr lang="en-IN" smtClean="0"/>
-              <a:t>29-08-2019</a:t>
+              <a:t>30-08-2019</a:t>
             </a:fld>
             <a:endParaRPr lang="en-IN" dirty="0"/>
           </a:p>
@@ -1321,7 +1321,7 @@
           <a:p>
             <a:fld id="{A6D9BCB1-20E8-439C-BAA2-6F984C91237B}" type="datetimeFigureOut">
               <a:rPr lang="en-IN" smtClean="0"/>
-              <a:t>29-08-2019</a:t>
+              <a:t>30-08-2019</a:t>
             </a:fld>
             <a:endParaRPr lang="en-IN" dirty="0"/>
           </a:p>
@@ -1491,7 +1491,7 @@
           <a:p>
             <a:fld id="{A6D9BCB1-20E8-439C-BAA2-6F984C91237B}" type="datetimeFigureOut">
               <a:rPr lang="en-IN" smtClean="0"/>
-              <a:t>29-08-2019</a:t>
+              <a:t>30-08-2019</a:t>
             </a:fld>
             <a:endParaRPr lang="en-IN" dirty="0"/>
           </a:p>
@@ -1745,7 +1745,7 @@
           <a:p>
             <a:fld id="{A6D9BCB1-20E8-439C-BAA2-6F984C91237B}" type="datetimeFigureOut">
               <a:rPr lang="en-IN" smtClean="0"/>
-              <a:t>29-08-2019</a:t>
+              <a:t>30-08-2019</a:t>
             </a:fld>
             <a:endParaRPr lang="en-IN" dirty="0"/>
           </a:p>
@@ -2071,7 +2071,7 @@
           <a:p>
             <a:fld id="{A6D9BCB1-20E8-439C-BAA2-6F984C91237B}" type="datetimeFigureOut">
               <a:rPr lang="en-IN" smtClean="0"/>
-              <a:t>29-08-2019</a:t>
+              <a:t>30-08-2019</a:t>
             </a:fld>
             <a:endParaRPr lang="en-IN" dirty="0"/>
           </a:p>
@@ -2522,7 +2522,7 @@
           <a:p>
             <a:fld id="{A6D9BCB1-20E8-439C-BAA2-6F984C91237B}" type="datetimeFigureOut">
               <a:rPr lang="en-IN" smtClean="0"/>
-              <a:t>29-08-2019</a:t>
+              <a:t>30-08-2019</a:t>
             </a:fld>
             <a:endParaRPr lang="en-IN" dirty="0"/>
           </a:p>
@@ -2640,7 +2640,7 @@
           <a:p>
             <a:fld id="{A6D9BCB1-20E8-439C-BAA2-6F984C91237B}" type="datetimeFigureOut">
               <a:rPr lang="en-IN" smtClean="0"/>
-              <a:t>29-08-2019</a:t>
+              <a:t>30-08-2019</a:t>
             </a:fld>
             <a:endParaRPr lang="en-IN" dirty="0"/>
           </a:p>
@@ -2735,7 +2735,7 @@
           <a:p>
             <a:fld id="{A6D9BCB1-20E8-439C-BAA2-6F984C91237B}" type="datetimeFigureOut">
               <a:rPr lang="en-IN" smtClean="0"/>
-              <a:t>29-08-2019</a:t>
+              <a:t>30-08-2019</a:t>
             </a:fld>
             <a:endParaRPr lang="en-IN" dirty="0"/>
           </a:p>
@@ -3022,7 +3022,7 @@
           <a:p>
             <a:fld id="{A6D9BCB1-20E8-439C-BAA2-6F984C91237B}" type="datetimeFigureOut">
               <a:rPr lang="en-IN" smtClean="0"/>
-              <a:t>29-08-2019</a:t>
+              <a:t>30-08-2019</a:t>
             </a:fld>
             <a:endParaRPr lang="en-IN" dirty="0"/>
           </a:p>
@@ -3343,7 +3343,7 @@
           <a:p>
             <a:fld id="{A6D9BCB1-20E8-439C-BAA2-6F984C91237B}" type="datetimeFigureOut">
               <a:rPr lang="en-IN" smtClean="0"/>
-              <a:t>29-08-2019</a:t>
+              <a:t>30-08-2019</a:t>
             </a:fld>
             <a:endParaRPr lang="en-IN" dirty="0"/>
           </a:p>
@@ -3597,7 +3597,7 @@
           <a:p>
             <a:fld id="{A6D9BCB1-20E8-439C-BAA2-6F984C91237B}" type="datetimeFigureOut">
               <a:rPr lang="en-IN" smtClean="0"/>
-              <a:t>29-08-2019</a:t>
+              <a:t>30-08-2019</a:t>
             </a:fld>
             <a:endParaRPr lang="en-IN" dirty="0"/>
           </a:p>
@@ -4091,7 +4091,7 @@
           <p:cNvPr id="4" name="Rectangle 2">
             <a:extLst>
               <a:ext uri="{FF2B5EF4-FFF2-40B4-BE49-F238E27FC236}">
-                <a16:creationId xmlns:a16="http://schemas.microsoft.com/office/drawing/2014/main" id="{C62C8433-4255-4DF9-A582-EA9B56F9B566}"/>
+                <a16:creationId xmlns:a16="http://schemas.microsoft.com/office/drawing/2014/main" xmlns="" id="{C62C8433-4255-4DF9-A582-EA9B56F9B566}"/>
               </a:ext>
             </a:extLst>
           </p:cNvPr>
@@ -4160,7 +4160,7 @@
           <p:cNvPr id="1025" name="Picture 58">
             <a:extLst>
               <a:ext uri="{FF2B5EF4-FFF2-40B4-BE49-F238E27FC236}">
-                <a16:creationId xmlns:a16="http://schemas.microsoft.com/office/drawing/2014/main" id="{9530527C-3B12-4C8B-9C34-285F01F2874F}"/>
+                <a16:creationId xmlns:a16="http://schemas.microsoft.com/office/drawing/2014/main" xmlns="" id="{9530527C-3B12-4C8B-9C34-285F01F2874F}"/>
               </a:ext>
             </a:extLst>
           </p:cNvPr>
@@ -4207,7 +4207,7 @@
           <p:cNvPr id="5" name="Rectangle 3">
             <a:extLst>
               <a:ext uri="{FF2B5EF4-FFF2-40B4-BE49-F238E27FC236}">
-                <a16:creationId xmlns:a16="http://schemas.microsoft.com/office/drawing/2014/main" id="{7112B42E-84F6-45EB-96CA-460A1791B68F}"/>
+                <a16:creationId xmlns:a16="http://schemas.microsoft.com/office/drawing/2014/main" xmlns="" id="{7112B42E-84F6-45EB-96CA-460A1791B68F}"/>
               </a:ext>
             </a:extLst>
           </p:cNvPr>
@@ -4449,7 +4449,7 @@
           <p:cNvPr id="6" name="TextBox 5">
             <a:extLst>
               <a:ext uri="{FF2B5EF4-FFF2-40B4-BE49-F238E27FC236}">
-                <a16:creationId xmlns:a16="http://schemas.microsoft.com/office/drawing/2014/main" id="{AD270AC7-945F-4F1F-B4FB-29CBEFF4220B}"/>
+                <a16:creationId xmlns:a16="http://schemas.microsoft.com/office/drawing/2014/main" xmlns="" id="{AD270AC7-945F-4F1F-B4FB-29CBEFF4220B}"/>
               </a:ext>
             </a:extLst>
           </p:cNvPr>
@@ -4515,7 +4515,7 @@
           <p:cNvPr id="2" name="Title 1">
             <a:extLst>
               <a:ext uri="{FF2B5EF4-FFF2-40B4-BE49-F238E27FC236}">
-                <a16:creationId xmlns:a16="http://schemas.microsoft.com/office/drawing/2014/main" id="{02357D58-AA01-447F-BAAB-E77B821A9C94}"/>
+                <a16:creationId xmlns:a16="http://schemas.microsoft.com/office/drawing/2014/main" xmlns="" id="{02357D58-AA01-447F-BAAB-E77B821A9C94}"/>
               </a:ext>
             </a:extLst>
           </p:cNvPr>
@@ -4555,7 +4555,7 @@
           <p:cNvPr id="4" name="Content Placeholder 3">
             <a:extLst>
               <a:ext uri="{FF2B5EF4-FFF2-40B4-BE49-F238E27FC236}">
-                <a16:creationId xmlns:a16="http://schemas.microsoft.com/office/drawing/2014/main" id="{C87DD56F-A8E8-42D0-A791-C6D227D174CE}"/>
+                <a16:creationId xmlns:a16="http://schemas.microsoft.com/office/drawing/2014/main" xmlns="" id="{C87DD56F-A8E8-42D0-A791-C6D227D174CE}"/>
               </a:ext>
             </a:extLst>
           </p:cNvPr>
@@ -4626,7 +4626,7 @@
           <p:cNvPr id="2" name="Title 1">
             <a:extLst>
               <a:ext uri="{FF2B5EF4-FFF2-40B4-BE49-F238E27FC236}">
-                <a16:creationId xmlns:a16="http://schemas.microsoft.com/office/drawing/2014/main" id="{13AA3579-19D9-4098-9D3D-16FF14F670DA}"/>
+                <a16:creationId xmlns:a16="http://schemas.microsoft.com/office/drawing/2014/main" xmlns="" id="{13AA3579-19D9-4098-9D3D-16FF14F670DA}"/>
               </a:ext>
             </a:extLst>
           </p:cNvPr>
@@ -4696,7 +4696,7 @@
           <p:cNvPr id="2" name="Title 1">
             <a:extLst>
               <a:ext uri="{FF2B5EF4-FFF2-40B4-BE49-F238E27FC236}">
-                <a16:creationId xmlns:a16="http://schemas.microsoft.com/office/drawing/2014/main" id="{22385106-EB39-4760-A78E-9B2C2D0BDB15}"/>
+                <a16:creationId xmlns:a16="http://schemas.microsoft.com/office/drawing/2014/main" xmlns="" id="{22385106-EB39-4760-A78E-9B2C2D0BDB15}"/>
               </a:ext>
             </a:extLst>
           </p:cNvPr>
@@ -4732,7 +4732,7 @@
           <p:cNvPr id="4" name="TextBox 3">
             <a:extLst>
               <a:ext uri="{FF2B5EF4-FFF2-40B4-BE49-F238E27FC236}">
-                <a16:creationId xmlns:a16="http://schemas.microsoft.com/office/drawing/2014/main" id="{259C0A27-4D15-4D14-9A51-EA266A5EF74A}"/>
+                <a16:creationId xmlns:a16="http://schemas.microsoft.com/office/drawing/2014/main" xmlns="" id="{259C0A27-4D15-4D14-9A51-EA266A5EF74A}"/>
               </a:ext>
             </a:extLst>
           </p:cNvPr>
@@ -4818,7 +4818,7 @@
           <p:cNvPr id="2" name="Title 1">
             <a:extLst>
               <a:ext uri="{FF2B5EF4-FFF2-40B4-BE49-F238E27FC236}">
-                <a16:creationId xmlns:a16="http://schemas.microsoft.com/office/drawing/2014/main" id="{ACB9C629-D534-4E0B-9E49-E69AD0A8AAE2}"/>
+                <a16:creationId xmlns:a16="http://schemas.microsoft.com/office/drawing/2014/main" xmlns="" id="{ACB9C629-D534-4E0B-9E49-E69AD0A8AAE2}"/>
               </a:ext>
             </a:extLst>
           </p:cNvPr>
@@ -4854,7 +4854,7 @@
           <p:cNvPr id="3" name="Content Placeholder 2">
             <a:extLst>
               <a:ext uri="{FF2B5EF4-FFF2-40B4-BE49-F238E27FC236}">
-                <a16:creationId xmlns:a16="http://schemas.microsoft.com/office/drawing/2014/main" id="{E0719E46-645D-4D68-8C2F-C49F6782B359}"/>
+                <a16:creationId xmlns:a16="http://schemas.microsoft.com/office/drawing/2014/main" xmlns="" id="{E0719E46-645D-4D68-8C2F-C49F6782B359}"/>
               </a:ext>
             </a:extLst>
           </p:cNvPr>
@@ -4988,7 +4988,13 @@
       </p:grpSpPr>
       <p:sp>
         <p:nvSpPr>
-          <p:cNvPr id="2" name="Title 1"/>
+          <p:cNvPr id="2" name="Title 1">
+            <a:extLst>
+              <a:ext uri="{FF2B5EF4-FFF2-40B4-BE49-F238E27FC236}">
+                <a16:creationId xmlns:a16="http://schemas.microsoft.com/office/drawing/2014/main" xmlns="" id="{1D0EFF4E-36D7-40FC-9FE4-E55EE42C8EE4}"/>
+              </a:ext>
+            </a:extLst>
+          </p:cNvPr>
           <p:cNvSpPr>
             <a:spLocks noGrp="1"/>
           </p:cNvSpPr>
@@ -5002,8 +5008,8 @@
           <a:lstStyle/>
           <a:p>
             <a:r>
-              <a:rPr lang="en-IN" dirty="0" smtClean="0"/>
-              <a:t>SSL &amp; CSR</a:t>
+              <a:rPr lang="en-GB" dirty="0"/>
+              <a:t>Protocols and essentials</a:t>
             </a:r>
             <a:endParaRPr lang="en-IN" dirty="0"/>
           </a:p>
@@ -5011,7 +5017,13 @@
       </p:sp>
       <p:sp>
         <p:nvSpPr>
-          <p:cNvPr id="3" name="Content Placeholder 2"/>
+          <p:cNvPr id="3" name="Content Placeholder 2">
+            <a:extLst>
+              <a:ext uri="{FF2B5EF4-FFF2-40B4-BE49-F238E27FC236}">
+                <a16:creationId xmlns:a16="http://schemas.microsoft.com/office/drawing/2014/main" xmlns="" id="{8D89595D-010C-4FF6-8D32-42DB9E5C6444}"/>
+              </a:ext>
+            </a:extLst>
+          </p:cNvPr>
           <p:cNvSpPr>
             <a:spLocks noGrp="1"/>
           </p:cNvSpPr>
@@ -5021,8 +5033,8 @@
         </p:nvSpPr>
         <p:spPr>
           <a:xfrm>
-            <a:off x="685800" y="2063396"/>
-            <a:ext cx="10536382" cy="3797077"/>
+            <a:off x="913774" y="2367092"/>
+            <a:ext cx="10363826" cy="3719809"/>
           </a:xfrm>
         </p:spPr>
         <p:txBody>
@@ -5032,90 +5044,83 @@
           <a:lstStyle/>
           <a:p>
             <a:r>
-              <a:rPr lang="en-IN" b="1" dirty="0"/>
-              <a:t>SSL</a:t>
-            </a:r>
-            <a:r>
-              <a:rPr lang="en-IN" dirty="0"/>
-              <a:t> stands for </a:t>
-            </a:r>
-            <a:r>
-              <a:rPr lang="en-IN" b="1" dirty="0"/>
-              <a:t>Secure Socket Layer.</a:t>
-            </a:r>
-            <a:endParaRPr lang="en-IN" dirty="0"/>
-          </a:p>
-          <a:p>
-            <a:r>
-              <a:rPr lang="en-IN" dirty="0"/>
-              <a:t>It is a standard technology for securing the internet connection and also safeguarding any kind of sensitive data that is sent between two systems.</a:t>
-            </a:r>
-          </a:p>
-          <a:p>
-            <a:r>
-              <a:rPr lang="en-IN" dirty="0"/>
-              <a:t>SSL uses encryption algorithms to scramble data in </a:t>
-            </a:r>
-            <a:r>
-              <a:rPr lang="en-IN" dirty="0" smtClean="0"/>
-              <a:t>transit.</a:t>
-            </a:r>
-          </a:p>
-          <a:p>
-            <a:r>
-              <a:rPr lang="en-IN" dirty="0"/>
-              <a:t>SSL works over port number 465.</a:t>
-            </a:r>
-          </a:p>
-          <a:p>
-            <a:r>
-              <a:rPr lang="en-IN" b="1" dirty="0"/>
-              <a:t>CSR </a:t>
-            </a:r>
-            <a:r>
-              <a:rPr lang="en-IN" dirty="0"/>
-              <a:t>stands for </a:t>
-            </a:r>
-            <a:r>
-              <a:rPr lang="en-IN" b="1" dirty="0"/>
-              <a:t>Certificate Signing </a:t>
-            </a:r>
-            <a:r>
-              <a:rPr lang="en-IN" b="1" dirty="0" smtClean="0"/>
-              <a:t>Request.</a:t>
-            </a:r>
-          </a:p>
-          <a:p>
-            <a:r>
-              <a:rPr lang="en-IN" b="1" dirty="0" smtClean="0"/>
-              <a:t>CSR </a:t>
-            </a:r>
-            <a:r>
-              <a:rPr lang="en-IN" dirty="0"/>
-              <a:t>is the first step towards getting your SSL </a:t>
-            </a:r>
-            <a:r>
-              <a:rPr lang="en-IN" dirty="0" smtClean="0"/>
-              <a:t>certificate.</a:t>
-            </a:r>
-          </a:p>
-          <a:p>
-            <a:r>
-              <a:rPr lang="en-IN" dirty="0"/>
-              <a:t>The CSR contains information which is useful to create your certificate by Certificate </a:t>
-            </a:r>
-            <a:r>
-              <a:rPr lang="en-IN" dirty="0" smtClean="0"/>
-              <a:t>Authority.</a:t>
-            </a:r>
-            <a:endParaRPr lang="en-IN" dirty="0"/>
+              <a:rPr lang="en-IN" sz="1600" dirty="0"/>
+              <a:t>In </a:t>
+            </a:r>
+            <a:r>
+              <a:rPr lang="en-IN" sz="1600" b="1" dirty="0"/>
+              <a:t>SMTP</a:t>
+            </a:r>
+            <a:r>
+              <a:rPr lang="en-IN" sz="1600" dirty="0"/>
+              <a:t>, there is a direct link between the sender's client SMTP (who wants to send the mail) and the destinations host SMTP.</a:t>
+            </a:r>
+          </a:p>
+          <a:p>
+            <a:r>
+              <a:rPr lang="en-IN" sz="1600" dirty="0"/>
+              <a:t>The SMTP server keeps the mail until and unless it is successfully copied to the receiver's SMTP.</a:t>
+            </a:r>
+          </a:p>
+          <a:p>
+            <a:pPr marL="0" indent="0">
+              <a:buNone/>
+            </a:pPr>
+            <a:r>
+              <a:rPr lang="en-IN" sz="1600" dirty="0"/>
+              <a:t>		=) sending -	ports (ssl) – 465</a:t>
+            </a:r>
+          </a:p>
+          <a:p>
+            <a:r>
+              <a:rPr lang="en-IN" sz="1600" dirty="0"/>
+              <a:t>POP 3 – acts as the receiving protocol for the mailing server.</a:t>
+            </a:r>
+          </a:p>
+          <a:p>
+            <a:r>
+              <a:rPr lang="en-IN" sz="1600" dirty="0">
+                <a:solidFill>
+                  <a:srgbClr val="1C1E29"/>
+                </a:solidFill>
+                <a:latin typeface="Times New Roman" panose="02020603050405020304" pitchFamily="18" charset="0"/>
+                <a:ea typeface="Times New Roman" panose="02020603050405020304" pitchFamily="18" charset="0"/>
+              </a:rPr>
+              <a:t>POP can be thought of as a "store-and-forward” service.</a:t>
+            </a:r>
+            <a:r>
+              <a:rPr lang="en-IN" sz="1600" dirty="0"/>
+              <a:t>  </a:t>
+            </a:r>
+          </a:p>
+          <a:p>
+            <a:pPr marL="1828800" lvl="4" indent="0">
+              <a:buNone/>
+            </a:pPr>
+            <a:r>
+              <a:rPr lang="en-IN" sz="1600" dirty="0"/>
+              <a:t>=) Receiving - 	ports (ssl) – 995</a:t>
+            </a:r>
+          </a:p>
+          <a:p>
+            <a:r>
+              <a:rPr lang="en-IN" sz="1600" b="1" dirty="0"/>
+              <a:t>POSTFIX: </a:t>
+            </a:r>
+            <a:r>
+              <a:rPr lang="en-IN" sz="1600" dirty="0"/>
+              <a:t>It is a free and open mail transfer agent (MTA) that relays mail between different mail servers and the internet. It routes and delivers the email. It is released under the IBM Public License 1.0 which is a free software license.</a:t>
+            </a:r>
+          </a:p>
+          <a:p>
+            <a:endParaRPr lang="en-IN" sz="1800" dirty="0"/>
           </a:p>
         </p:txBody>
       </p:sp>
     </p:spTree>
     <p:extLst>
       <p:ext uri="{BB962C8B-B14F-4D97-AF65-F5344CB8AC3E}">
-        <p14:creationId xmlns:p14="http://schemas.microsoft.com/office/powerpoint/2010/main" val="1090857896"/>
+        <p14:creationId xmlns:p14="http://schemas.microsoft.com/office/powerpoint/2010/main" val="4115965323"/>
       </p:ext>
     </p:extLst>
   </p:cSld>
@@ -5144,13 +5149,7 @@
       </p:grpSpPr>
       <p:sp>
         <p:nvSpPr>
-          <p:cNvPr id="2" name="Title 1">
-            <a:extLst>
-              <a:ext uri="{FF2B5EF4-FFF2-40B4-BE49-F238E27FC236}">
-                <a16:creationId xmlns:a16="http://schemas.microsoft.com/office/drawing/2014/main" id="{1D0EFF4E-36D7-40FC-9FE4-E55EE42C8EE4}"/>
-              </a:ext>
-            </a:extLst>
-          </p:cNvPr>
+          <p:cNvPr id="2" name="Title 1"/>
           <p:cNvSpPr>
             <a:spLocks noGrp="1"/>
           </p:cNvSpPr>
@@ -5164,8 +5163,8 @@
           <a:lstStyle/>
           <a:p>
             <a:r>
-              <a:rPr lang="en-GB" dirty="0"/>
-              <a:t>Protocols and essentials</a:t>
+              <a:rPr lang="en-IN" dirty="0" smtClean="0"/>
+              <a:t>SSL &amp; CSR</a:t>
             </a:r>
             <a:endParaRPr lang="en-IN" dirty="0"/>
           </a:p>
@@ -5173,13 +5172,7 @@
       </p:sp>
       <p:sp>
         <p:nvSpPr>
-          <p:cNvPr id="3" name="Content Placeholder 2">
-            <a:extLst>
-              <a:ext uri="{FF2B5EF4-FFF2-40B4-BE49-F238E27FC236}">
-                <a16:creationId xmlns:a16="http://schemas.microsoft.com/office/drawing/2014/main" id="{8D89595D-010C-4FF6-8D32-42DB9E5C6444}"/>
-              </a:ext>
-            </a:extLst>
-          </p:cNvPr>
+          <p:cNvPr id="3" name="Content Placeholder 2"/>
           <p:cNvSpPr>
             <a:spLocks noGrp="1"/>
           </p:cNvSpPr>
@@ -5189,8 +5182,8 @@
         </p:nvSpPr>
         <p:spPr>
           <a:xfrm>
-            <a:off x="913774" y="2367092"/>
-            <a:ext cx="10363826" cy="3719809"/>
+            <a:off x="685800" y="2063396"/>
+            <a:ext cx="10536382" cy="3797077"/>
           </a:xfrm>
         </p:spPr>
         <p:txBody>
@@ -5200,83 +5193,90 @@
           <a:lstStyle/>
           <a:p>
             <a:r>
-              <a:rPr lang="en-IN" sz="1600" dirty="0"/>
-              <a:t>In </a:t>
-            </a:r>
-            <a:r>
-              <a:rPr lang="en-IN" sz="1600" b="1" dirty="0"/>
-              <a:t>SMTP</a:t>
-            </a:r>
-            <a:r>
-              <a:rPr lang="en-IN" sz="1600" dirty="0"/>
-              <a:t>, there is a direct link between the sender's client SMTP (who wants to send the mail) and the destinations host SMTP.</a:t>
-            </a:r>
-          </a:p>
-          <a:p>
-            <a:r>
-              <a:rPr lang="en-IN" sz="1600" dirty="0"/>
-              <a:t>The SMTP server keeps the mail until and unless it is successfully copied to the receiver's SMTP.</a:t>
-            </a:r>
-          </a:p>
-          <a:p>
-            <a:pPr marL="0" indent="0">
-              <a:buNone/>
-            </a:pPr>
-            <a:r>
-              <a:rPr lang="en-IN" sz="1600" dirty="0"/>
-              <a:t>		=) sending -	ports (ssl) – 465</a:t>
-            </a:r>
-          </a:p>
-          <a:p>
-            <a:r>
-              <a:rPr lang="en-IN" sz="1600" dirty="0"/>
-              <a:t>POP 3 – acts as the receiving protocol for the mailing server.</a:t>
-            </a:r>
-          </a:p>
-          <a:p>
-            <a:r>
-              <a:rPr lang="en-IN" sz="1600" dirty="0">
-                <a:solidFill>
-                  <a:srgbClr val="1C1E29"/>
-                </a:solidFill>
-                <a:latin typeface="Times New Roman" panose="02020603050405020304" pitchFamily="18" charset="0"/>
-                <a:ea typeface="Times New Roman" panose="02020603050405020304" pitchFamily="18" charset="0"/>
-              </a:rPr>
-              <a:t>POP can be thought of as a "store-and-forward” service.</a:t>
-            </a:r>
-            <a:r>
-              <a:rPr lang="en-IN" sz="1600" dirty="0"/>
-              <a:t>  </a:t>
-            </a:r>
-          </a:p>
-          <a:p>
-            <a:pPr marL="1828800" lvl="4" indent="0">
-              <a:buNone/>
-            </a:pPr>
-            <a:r>
-              <a:rPr lang="en-IN" sz="1600" dirty="0"/>
-              <a:t>=) Receiving - 	ports (ssl) – 995</a:t>
-            </a:r>
-          </a:p>
-          <a:p>
-            <a:r>
-              <a:rPr lang="en-IN" sz="1600" b="1" dirty="0"/>
-              <a:t>POSTFIX: </a:t>
-            </a:r>
-            <a:r>
-              <a:rPr lang="en-IN" sz="1600" dirty="0"/>
-              <a:t>It is a free and open mail transfer agent (MTA) that relays mail between different mail servers and the internet. It routes and delivers the email. It is released under the IBM Public License 1.0 which is a free software license.</a:t>
-            </a:r>
-          </a:p>
-          <a:p>
-            <a:endParaRPr lang="en-IN" sz="1800" dirty="0"/>
+              <a:rPr lang="en-IN" b="1" dirty="0"/>
+              <a:t>SSL</a:t>
+            </a:r>
+            <a:r>
+              <a:rPr lang="en-IN" dirty="0"/>
+              <a:t> stands for </a:t>
+            </a:r>
+            <a:r>
+              <a:rPr lang="en-IN" b="1" dirty="0"/>
+              <a:t>Secure Socket Layer.</a:t>
+            </a:r>
+            <a:endParaRPr lang="en-IN" dirty="0"/>
+          </a:p>
+          <a:p>
+            <a:r>
+              <a:rPr lang="en-IN" dirty="0"/>
+              <a:t>It is a standard technology for securing the internet connection and also safeguarding any kind of sensitive data that is sent between two systems.</a:t>
+            </a:r>
+          </a:p>
+          <a:p>
+            <a:r>
+              <a:rPr lang="en-IN" dirty="0"/>
+              <a:t>SSL uses encryption algorithms to scramble data in </a:t>
+            </a:r>
+            <a:r>
+              <a:rPr lang="en-IN" dirty="0" smtClean="0"/>
+              <a:t>transit.</a:t>
+            </a:r>
+          </a:p>
+          <a:p>
+            <a:r>
+              <a:rPr lang="en-IN" dirty="0"/>
+              <a:t>SSL works over port number 465.</a:t>
+            </a:r>
+          </a:p>
+          <a:p>
+            <a:r>
+              <a:rPr lang="en-IN" b="1" dirty="0"/>
+              <a:t>CSR </a:t>
+            </a:r>
+            <a:r>
+              <a:rPr lang="en-IN" dirty="0"/>
+              <a:t>stands for </a:t>
+            </a:r>
+            <a:r>
+              <a:rPr lang="en-IN" b="1" dirty="0"/>
+              <a:t>Certificate Signing </a:t>
+            </a:r>
+            <a:r>
+              <a:rPr lang="en-IN" b="1" dirty="0" smtClean="0"/>
+              <a:t>Request.</a:t>
+            </a:r>
+          </a:p>
+          <a:p>
+            <a:r>
+              <a:rPr lang="en-IN" b="1" dirty="0" smtClean="0"/>
+              <a:t>CSR </a:t>
+            </a:r>
+            <a:r>
+              <a:rPr lang="en-IN" dirty="0"/>
+              <a:t>is the first step towards getting your SSL </a:t>
+            </a:r>
+            <a:r>
+              <a:rPr lang="en-IN" dirty="0" smtClean="0"/>
+              <a:t>certificate.</a:t>
+            </a:r>
+          </a:p>
+          <a:p>
+            <a:r>
+              <a:rPr lang="en-IN" dirty="0"/>
+              <a:t>The CSR contains information which is useful to create your certificate by Certificate </a:t>
+            </a:r>
+            <a:r>
+              <a:rPr lang="en-IN" dirty="0" smtClean="0"/>
+              <a:t>Authority.</a:t>
+            </a:r>
+            <a:endParaRPr lang="en-IN" dirty="0"/>
           </a:p>
         </p:txBody>
       </p:sp>
     </p:spTree>
     <p:extLst>
       <p:ext uri="{BB962C8B-B14F-4D97-AF65-F5344CB8AC3E}">
-        <p14:creationId xmlns:p14="http://schemas.microsoft.com/office/powerpoint/2010/main" val="4115965323"/>
+        <p14:creationId xmlns:p14="http://schemas.microsoft.com/office/powerpoint/2010/main" val="1090857896"/>
       </p:ext>
     </p:extLst>
   </p:cSld>
@@ -5308,7 +5308,7 @@
           <p:cNvPr id="2" name="Title 1">
             <a:extLst>
               <a:ext uri="{FF2B5EF4-FFF2-40B4-BE49-F238E27FC236}">
-                <a16:creationId xmlns:a16="http://schemas.microsoft.com/office/drawing/2014/main" id="{FD264866-3278-47CD-91FE-D942D8FD57FA}"/>
+                <a16:creationId xmlns:a16="http://schemas.microsoft.com/office/drawing/2014/main" xmlns="" id="{FD264866-3278-47CD-91FE-D942D8FD57FA}"/>
               </a:ext>
             </a:extLst>
           </p:cNvPr>
@@ -5342,7 +5342,7 @@
           <p:cNvPr id="3" name="Content Placeholder 2">
             <a:extLst>
               <a:ext uri="{FF2B5EF4-FFF2-40B4-BE49-F238E27FC236}">
-                <a16:creationId xmlns:a16="http://schemas.microsoft.com/office/drawing/2014/main" id="{F240150C-30A2-4493-AD54-B9A7F111862B}"/>
+                <a16:creationId xmlns:a16="http://schemas.microsoft.com/office/drawing/2014/main" xmlns="" id="{F240150C-30A2-4493-AD54-B9A7F111862B}"/>
               </a:ext>
             </a:extLst>
           </p:cNvPr>
@@ -5379,7 +5379,7 @@
           <p:cNvPr id="5" name="Picture 4">
             <a:extLst>
               <a:ext uri="{FF2B5EF4-FFF2-40B4-BE49-F238E27FC236}">
-                <a16:creationId xmlns:a16="http://schemas.microsoft.com/office/drawing/2014/main" id="{BEF8D6EC-3A57-481F-A825-CD10FD8836E4}"/>
+                <a16:creationId xmlns:a16="http://schemas.microsoft.com/office/drawing/2014/main" xmlns="" id="{BEF8D6EC-3A57-481F-A825-CD10FD8836E4}"/>
               </a:ext>
             </a:extLst>
           </p:cNvPr>
@@ -5445,7 +5445,7 @@
           <p:cNvPr id="2" name="Title 1">
             <a:extLst>
               <a:ext uri="{FF2B5EF4-FFF2-40B4-BE49-F238E27FC236}">
-                <a16:creationId xmlns:a16="http://schemas.microsoft.com/office/drawing/2014/main" id="{7E1D035E-4032-423C-9596-F701E2AAF94A}"/>
+                <a16:creationId xmlns:a16="http://schemas.microsoft.com/office/drawing/2014/main" xmlns="" id="{7E1D035E-4032-423C-9596-F701E2AAF94A}"/>
               </a:ext>
             </a:extLst>
           </p:cNvPr>
@@ -5477,7 +5477,7 @@
           <p:cNvPr id="3" name="Content Placeholder 2">
             <a:extLst>
               <a:ext uri="{FF2B5EF4-FFF2-40B4-BE49-F238E27FC236}">
-                <a16:creationId xmlns:a16="http://schemas.microsoft.com/office/drawing/2014/main" id="{C011688A-F81E-42BE-9F17-C1FBF803FF5F}"/>
+                <a16:creationId xmlns:a16="http://schemas.microsoft.com/office/drawing/2014/main" xmlns="" id="{C011688A-F81E-42BE-9F17-C1FBF803FF5F}"/>
               </a:ext>
             </a:extLst>
           </p:cNvPr>
@@ -5588,7 +5588,7 @@
           <p:cNvPr id="2" name="Title 1">
             <a:extLst>
               <a:ext uri="{FF2B5EF4-FFF2-40B4-BE49-F238E27FC236}">
-                <a16:creationId xmlns:a16="http://schemas.microsoft.com/office/drawing/2014/main" id="{4E4FC654-84A9-4FFA-BF47-339376D1DA49}"/>
+                <a16:creationId xmlns:a16="http://schemas.microsoft.com/office/drawing/2014/main" xmlns="" id="{4E4FC654-84A9-4FFA-BF47-339376D1DA49}"/>
               </a:ext>
             </a:extLst>
           </p:cNvPr>
@@ -5624,7 +5624,7 @@
           <p:cNvPr id="3" name="Content Placeholder 2">
             <a:extLst>
               <a:ext uri="{FF2B5EF4-FFF2-40B4-BE49-F238E27FC236}">
-                <a16:creationId xmlns:a16="http://schemas.microsoft.com/office/drawing/2014/main" id="{8CE72870-D5A1-4F1E-A5EB-65CC8BF3493B}"/>
+                <a16:creationId xmlns:a16="http://schemas.microsoft.com/office/drawing/2014/main" xmlns="" id="{8CE72870-D5A1-4F1E-A5EB-65CC8BF3493B}"/>
               </a:ext>
             </a:extLst>
           </p:cNvPr>
@@ -5684,7 +5684,27 @@
             <a:pPr lvl="1" fontAlgn="base"/>
             <a:r>
               <a:rPr lang="en-US" dirty="0"/>
-              <a:t>To inspect sensitive content in the mail and add constraints respective to it.</a:t>
+              <a:t>To </a:t>
+            </a:r>
+            <a:r>
+              <a:rPr lang="en-US" dirty="0" smtClean="0"/>
+              <a:t>filter </a:t>
+            </a:r>
+            <a:r>
+              <a:rPr lang="en-US" dirty="0"/>
+              <a:t>sensitive content in the mail and </a:t>
+            </a:r>
+            <a:r>
+              <a:rPr lang="en-US" dirty="0" smtClean="0"/>
+              <a:t>apply</a:t>
+            </a:r>
+            <a:r>
+              <a:rPr lang="en-US" dirty="0" smtClean="0"/>
+              <a:t> </a:t>
+            </a:r>
+            <a:r>
+              <a:rPr lang="en-US" dirty="0"/>
+              <a:t>constraints respective to it.</a:t>
             </a:r>
             <a:endParaRPr lang="en-IN" dirty="0"/>
           </a:p>
@@ -5700,7 +5720,27 @@
             <a:pPr lvl="1" fontAlgn="base"/>
             <a:r>
               <a:rPr lang="en-US" dirty="0"/>
-              <a:t>Filtering the content and providing the security to the process by signing SSL, TSL Certifications.</a:t>
+              <a:t>P</a:t>
+            </a:r>
+            <a:r>
+              <a:rPr lang="en-US" dirty="0" smtClean="0"/>
+              <a:t>roviding </a:t>
+            </a:r>
+            <a:r>
+              <a:rPr lang="en-US" dirty="0"/>
+              <a:t>the security to the process by signing </a:t>
+            </a:r>
+            <a:r>
+              <a:rPr lang="en-US" dirty="0" smtClean="0"/>
+              <a:t>CSR</a:t>
+            </a:r>
+            <a:r>
+              <a:rPr lang="en-US" dirty="0" smtClean="0"/>
+              <a:t>, SSL </a:t>
+            </a:r>
+            <a:r>
+              <a:rPr lang="en-US" dirty="0"/>
+              <a:t>Certifications.</a:t>
             </a:r>
             <a:endParaRPr lang="en-IN" dirty="0"/>
           </a:p>
@@ -5744,7 +5784,7 @@
           <p:cNvPr id="2" name="Title 1">
             <a:extLst>
               <a:ext uri="{FF2B5EF4-FFF2-40B4-BE49-F238E27FC236}">
-                <a16:creationId xmlns:a16="http://schemas.microsoft.com/office/drawing/2014/main" id="{5FAC82F6-A9AA-402D-8CD3-8B951453B760}"/>
+                <a16:creationId xmlns:a16="http://schemas.microsoft.com/office/drawing/2014/main" xmlns="" id="{5FAC82F6-A9AA-402D-8CD3-8B951453B760}"/>
               </a:ext>
             </a:extLst>
           </p:cNvPr>
@@ -5773,7 +5813,7 @@
           <p:cNvPr id="3" name="Content Placeholder 2">
             <a:extLst>
               <a:ext uri="{FF2B5EF4-FFF2-40B4-BE49-F238E27FC236}">
-                <a16:creationId xmlns:a16="http://schemas.microsoft.com/office/drawing/2014/main" id="{33B55CFC-2DDD-4E4B-8386-B7346E57A5F1}"/>
+                <a16:creationId xmlns:a16="http://schemas.microsoft.com/office/drawing/2014/main" xmlns="" id="{33B55CFC-2DDD-4E4B-8386-B7346E57A5F1}"/>
               </a:ext>
             </a:extLst>
           </p:cNvPr>
@@ -6132,7 +6172,7 @@
   <a:extraClrSchemeLst/>
   <a:extLst>
     <a:ext uri="{05A4C25C-085E-4340-85A3-A5531E510DB2}">
-      <thm15:themeFamily xmlns:thm15="http://schemas.microsoft.com/office/thememl/2012/main" name="View" id="{BA0EB5A6-F2D4-4F82-977B-64ADEE4A2A69}" vid="{3969A8A2-35DB-4E3B-8885-16FD20568674}"/>
+      <thm15:themeFamily xmlns:thm15="http://schemas.microsoft.com/office/thememl/2012/main" xmlns="" name="View" id="{BA0EB5A6-F2D4-4F82-977B-64ADEE4A2A69}" vid="{3969A8A2-35DB-4E3B-8885-16FD20568674}"/>
     </a:ext>
   </a:extLst>
 </a:theme>
